--- a/plugins/vdm2isa/pub/isq-lib/International System of Quantities library in VDM.pptx
+++ b/plugins/vdm2isa/pub/isq-lib/International System of Quantities library in VDM.pptx
@@ -1799,10 +1799,10 @@
         <a:lstStyle/>
         <a:p>
           <a:r>
-            <a:rPr lang="en-GB"/>
+            <a:rPr lang="en-GB" dirty="0"/>
             <a:t>Reduced error-prone and tedious calculations</a:t>
           </a:r>
-          <a:endParaRPr lang="en-US"/>
+          <a:endParaRPr lang="en-US" dirty="0"/>
         </a:p>
       </dgm:t>
     </dgm:pt>
@@ -1828,6 +1828,42 @@
         </a:p>
       </dgm:t>
     </dgm:pt>
+    <dgm:pt modelId="{CC2BD797-68E3-B14D-A58C-5AE3613F65CC}">
+      <dgm:prSet/>
+      <dgm:spPr/>
+      <dgm:t>
+        <a:bodyPr/>
+        <a:lstStyle/>
+        <a:p>
+          <a:r>
+            <a:rPr lang="en-GB" dirty="0"/>
+            <a:t>History: used for personalised medicine application conversions</a:t>
+          </a:r>
+        </a:p>
+      </dgm:t>
+    </dgm:pt>
+    <dgm:pt modelId="{5CDD28F9-25EE-124B-AFA0-C5905EDF8CEF}" type="parTrans" cxnId="{6B2E8E09-9AD8-D442-8B85-D7BA9D32D4F6}">
+      <dgm:prSet/>
+      <dgm:spPr/>
+      <dgm:t>
+        <a:bodyPr/>
+        <a:lstStyle/>
+        <a:p>
+          <a:endParaRPr lang="en-GB"/>
+        </a:p>
+      </dgm:t>
+    </dgm:pt>
+    <dgm:pt modelId="{A2B252F8-B55B-5948-AC43-609771D5879B}" type="sibTrans" cxnId="{6B2E8E09-9AD8-D442-8B85-D7BA9D32D4F6}">
+      <dgm:prSet/>
+      <dgm:spPr/>
+      <dgm:t>
+        <a:bodyPr/>
+        <a:lstStyle/>
+        <a:p>
+          <a:endParaRPr lang="en-GB"/>
+        </a:p>
+      </dgm:t>
+    </dgm:pt>
     <dgm:pt modelId="{813FDE9A-E8E7-4061-94D9-36B22F7C9C32}" type="pres">
       <dgm:prSet presAssocID="{2460A5CF-1015-4DE8-AABB-8F9532BDCF1B}" presName="linear" presStyleCnt="0">
         <dgm:presLayoutVars>
@@ -1838,7 +1874,7 @@
       <dgm:spPr/>
     </dgm:pt>
     <dgm:pt modelId="{04301A2A-3FF8-42FE-91C0-2372258EEF9D}" type="pres">
-      <dgm:prSet presAssocID="{6DC7BF1F-59DB-4714-9EC4-9A1C4943C7A0}" presName="parentText" presStyleLbl="node1" presStyleIdx="0" presStyleCnt="5">
+      <dgm:prSet presAssocID="{6DC7BF1F-59DB-4714-9EC4-9A1C4943C7A0}" presName="parentText" presStyleLbl="node1" presStyleIdx="0" presStyleCnt="6">
         <dgm:presLayoutVars>
           <dgm:chMax val="0"/>
           <dgm:bulletEnabled val="1"/>
@@ -1851,7 +1887,7 @@
       <dgm:spPr/>
     </dgm:pt>
     <dgm:pt modelId="{B18C51FE-E40F-4D41-B6F4-70B50768656F}" type="pres">
-      <dgm:prSet presAssocID="{3925E2C9-158B-43BA-B6A6-E25B63E69F13}" presName="parentText" presStyleLbl="node1" presStyleIdx="1" presStyleCnt="5">
+      <dgm:prSet presAssocID="{3925E2C9-158B-43BA-B6A6-E25B63E69F13}" presName="parentText" presStyleLbl="node1" presStyleIdx="1" presStyleCnt="6">
         <dgm:presLayoutVars>
           <dgm:chMax val="0"/>
           <dgm:bulletEnabled val="1"/>
@@ -1864,7 +1900,7 @@
       <dgm:spPr/>
     </dgm:pt>
     <dgm:pt modelId="{58D27147-9A34-4C24-9712-E2D75045564E}" type="pres">
-      <dgm:prSet presAssocID="{F57C2B72-4538-4B29-9926-0E574608E4DD}" presName="parentText" presStyleLbl="node1" presStyleIdx="2" presStyleCnt="5">
+      <dgm:prSet presAssocID="{F57C2B72-4538-4B29-9926-0E574608E4DD}" presName="parentText" presStyleLbl="node1" presStyleIdx="2" presStyleCnt="6">
         <dgm:presLayoutVars>
           <dgm:chMax val="0"/>
           <dgm:bulletEnabled val="1"/>
@@ -1877,7 +1913,7 @@
       <dgm:spPr/>
     </dgm:pt>
     <dgm:pt modelId="{808B7242-BF56-480B-AAC4-CEB7E754ADBE}" type="pres">
-      <dgm:prSet presAssocID="{410730B5-B62C-4988-8706-F3AD9711E93A}" presName="parentText" presStyleLbl="node1" presStyleIdx="3" presStyleCnt="5">
+      <dgm:prSet presAssocID="{410730B5-B62C-4988-8706-F3AD9711E93A}" presName="parentText" presStyleLbl="node1" presStyleIdx="3" presStyleCnt="6">
         <dgm:presLayoutVars>
           <dgm:chMax val="0"/>
           <dgm:bulletEnabled val="1"/>
@@ -1890,7 +1926,20 @@
       <dgm:spPr/>
     </dgm:pt>
     <dgm:pt modelId="{E80F8E7D-49DF-418B-B160-6F7C5CEA2B32}" type="pres">
-      <dgm:prSet presAssocID="{37C3FD78-32F3-41A3-870C-C0249B88864A}" presName="parentText" presStyleLbl="node1" presStyleIdx="4" presStyleCnt="5">
+      <dgm:prSet presAssocID="{37C3FD78-32F3-41A3-870C-C0249B88864A}" presName="parentText" presStyleLbl="node1" presStyleIdx="4" presStyleCnt="6">
+        <dgm:presLayoutVars>
+          <dgm:chMax val="0"/>
+          <dgm:bulletEnabled val="1"/>
+        </dgm:presLayoutVars>
+      </dgm:prSet>
+      <dgm:spPr/>
+    </dgm:pt>
+    <dgm:pt modelId="{02A995C3-F8DC-FA49-BB95-CCA0FB46D820}" type="pres">
+      <dgm:prSet presAssocID="{39E6F3A0-BF01-4459-B99F-6437C1AE9108}" presName="spacer" presStyleCnt="0"/>
+      <dgm:spPr/>
+    </dgm:pt>
+    <dgm:pt modelId="{05612A00-4CA2-894F-B3D1-CE9AA7B5D3C6}" type="pres">
+      <dgm:prSet presAssocID="{CC2BD797-68E3-B14D-A58C-5AE3613F65CC}" presName="parentText" presStyleLbl="node1" presStyleIdx="5" presStyleCnt="6">
         <dgm:presLayoutVars>
           <dgm:chMax val="0"/>
           <dgm:bulletEnabled val="1"/>
@@ -1901,10 +1950,12 @@
   </dgm:ptLst>
   <dgm:cxnLst>
     <dgm:cxn modelId="{D81CC108-6FA9-49F0-831B-41219295AF73}" srcId="{2460A5CF-1015-4DE8-AABB-8F9532BDCF1B}" destId="{3925E2C9-158B-43BA-B6A6-E25B63E69F13}" srcOrd="1" destOrd="0" parTransId="{B8A7E401-0253-4088-8483-F0D0381F714F}" sibTransId="{101AAE69-8670-454E-AA23-B3C7C2DFB6F2}"/>
+    <dgm:cxn modelId="{6B2E8E09-9AD8-D442-8B85-D7BA9D32D4F6}" srcId="{2460A5CF-1015-4DE8-AABB-8F9532BDCF1B}" destId="{CC2BD797-68E3-B14D-A58C-5AE3613F65CC}" srcOrd="5" destOrd="0" parTransId="{5CDD28F9-25EE-124B-AFA0-C5905EDF8CEF}" sibTransId="{A2B252F8-B55B-5948-AC43-609771D5879B}"/>
     <dgm:cxn modelId="{E9452019-45CB-4000-90EF-CECEB2308401}" srcId="{2460A5CF-1015-4DE8-AABB-8F9532BDCF1B}" destId="{410730B5-B62C-4988-8706-F3AD9711E93A}" srcOrd="3" destOrd="0" parTransId="{CBA9EB43-01BB-4DFC-B160-9B239D4A5A5A}" sibTransId="{F7F7CAC2-1EF7-49C9-B171-130C3C6D8C12}"/>
     <dgm:cxn modelId="{54E4211C-AF73-44D2-A443-CE44562B9450}" type="presOf" srcId="{37C3FD78-32F3-41A3-870C-C0249B88864A}" destId="{E80F8E7D-49DF-418B-B160-6F7C5CEA2B32}" srcOrd="0" destOrd="0" presId="urn:microsoft.com/office/officeart/2005/8/layout/vList2"/>
     <dgm:cxn modelId="{89718B22-1705-4CA3-BE40-93EF9115BE40}" srcId="{2460A5CF-1015-4DE8-AABB-8F9532BDCF1B}" destId="{6DC7BF1F-59DB-4714-9EC4-9A1C4943C7A0}" srcOrd="0" destOrd="0" parTransId="{B2E3A3C8-178F-4B33-898B-5E71D168DA69}" sibTransId="{6569ECEF-83F2-4323-9D6F-37E688A4C275}"/>
     <dgm:cxn modelId="{AB317C2D-D325-43FC-8E0E-78AAD6361783}" type="presOf" srcId="{6DC7BF1F-59DB-4714-9EC4-9A1C4943C7A0}" destId="{04301A2A-3FF8-42FE-91C0-2372258EEF9D}" srcOrd="0" destOrd="0" presId="urn:microsoft.com/office/officeart/2005/8/layout/vList2"/>
+    <dgm:cxn modelId="{1F530B62-224F-6549-915A-3B7177CB452B}" type="presOf" srcId="{CC2BD797-68E3-B14D-A58C-5AE3613F65CC}" destId="{05612A00-4CA2-894F-B3D1-CE9AA7B5D3C6}" srcOrd="0" destOrd="0" presId="urn:microsoft.com/office/officeart/2005/8/layout/vList2"/>
     <dgm:cxn modelId="{23B53571-0C77-4E05-A457-311931B2E567}" type="presOf" srcId="{3925E2C9-158B-43BA-B6A6-E25B63E69F13}" destId="{B18C51FE-E40F-4D41-B6F4-70B50768656F}" srcOrd="0" destOrd="0" presId="urn:microsoft.com/office/officeart/2005/8/layout/vList2"/>
     <dgm:cxn modelId="{F2051B8B-6FF6-43F2-A6DF-0D5DF326FE9B}" type="presOf" srcId="{F57C2B72-4538-4B29-9926-0E574608E4DD}" destId="{58D27147-9A34-4C24-9712-E2D75045564E}" srcOrd="0" destOrd="0" presId="urn:microsoft.com/office/officeart/2005/8/layout/vList2"/>
     <dgm:cxn modelId="{BE2D1CA4-33E7-4440-B15D-D81329258382}" type="presOf" srcId="{2460A5CF-1015-4DE8-AABB-8F9532BDCF1B}" destId="{813FDE9A-E8E7-4061-94D9-36B22F7C9C32}" srcOrd="0" destOrd="0" presId="urn:microsoft.com/office/officeart/2005/8/layout/vList2"/>
@@ -1920,6 +1971,8 @@
     <dgm:cxn modelId="{6FD7C46F-A99C-4C7C-BCC3-3984E9E91595}" type="presParOf" srcId="{813FDE9A-E8E7-4061-94D9-36B22F7C9C32}" destId="{808B7242-BF56-480B-AAC4-CEB7E754ADBE}" srcOrd="6" destOrd="0" presId="urn:microsoft.com/office/officeart/2005/8/layout/vList2"/>
     <dgm:cxn modelId="{96F385D7-5CD9-4B34-9720-1B7881D9AF74}" type="presParOf" srcId="{813FDE9A-E8E7-4061-94D9-36B22F7C9C32}" destId="{5DC46CB7-DE44-46E5-932F-AE33D4904A1A}" srcOrd="7" destOrd="0" presId="urn:microsoft.com/office/officeart/2005/8/layout/vList2"/>
     <dgm:cxn modelId="{E6E4C064-CA83-41DD-94F7-9D0BCF8D9CAC}" type="presParOf" srcId="{813FDE9A-E8E7-4061-94D9-36B22F7C9C32}" destId="{E80F8E7D-49DF-418B-B160-6F7C5CEA2B32}" srcOrd="8" destOrd="0" presId="urn:microsoft.com/office/officeart/2005/8/layout/vList2"/>
+    <dgm:cxn modelId="{B7300FC5-8368-F249-BB25-357C7B08B4A5}" type="presParOf" srcId="{813FDE9A-E8E7-4061-94D9-36B22F7C9C32}" destId="{02A995C3-F8DC-FA49-BB95-CCA0FB46D820}" srcOrd="9" destOrd="0" presId="urn:microsoft.com/office/officeart/2005/8/layout/vList2"/>
+    <dgm:cxn modelId="{E9240E68-25CF-F942-9D7D-321054FA06BE}" type="presParOf" srcId="{813FDE9A-E8E7-4061-94D9-36B22F7C9C32}" destId="{05612A00-4CA2-894F-B3D1-CE9AA7B5D3C6}" srcOrd="10" destOrd="0" presId="urn:microsoft.com/office/officeart/2005/8/layout/vList2"/>
   </dgm:cxnLst>
   <dgm:bg/>
   <dgm:whole/>
@@ -2187,8 +2240,8 @@
       </dsp:nvSpPr>
       <dsp:spPr>
         <a:xfrm>
-          <a:off x="0" y="335439"/>
-          <a:ext cx="8074794" cy="671580"/>
+          <a:off x="0" y="355103"/>
+          <a:ext cx="8074794" cy="551655"/>
         </a:xfrm>
         <a:prstGeom prst="roundRect">
           <a:avLst/>
@@ -2230,12 +2283,12 @@
         </a:fontRef>
       </dsp:style>
       <dsp:txBody>
-        <a:bodyPr spcFirstLastPara="0" vert="horz" wrap="square" lIns="106680" tIns="106680" rIns="106680" bIns="106680" numCol="1" spcCol="1270" anchor="ctr" anchorCtr="0">
+        <a:bodyPr spcFirstLastPara="0" vert="horz" wrap="square" lIns="87630" tIns="87630" rIns="87630" bIns="87630" numCol="1" spcCol="1270" anchor="ctr" anchorCtr="0">
           <a:noAutofit/>
         </a:bodyPr>
         <a:lstStyle/>
         <a:p>
-          <a:pPr marL="0" lvl="0" indent="0" algn="l" defTabSz="1244600">
+          <a:pPr marL="0" lvl="0" indent="0" algn="l" defTabSz="1022350">
             <a:lnSpc>
               <a:spcPct val="90000"/>
             </a:lnSpc>
@@ -2248,15 +2301,15 @@
             <a:buNone/>
           </a:pPr>
           <a:r>
-            <a:rPr lang="en-GB" sz="2800" kern="1200" dirty="0"/>
+            <a:rPr lang="en-GB" sz="2300" kern="1200" dirty="0"/>
             <a:t>Most used system of measurements</a:t>
           </a:r>
-          <a:endParaRPr lang="en-US" sz="2800" kern="1200" dirty="0"/>
+          <a:endParaRPr lang="en-US" sz="2300" kern="1200" dirty="0"/>
         </a:p>
       </dsp:txBody>
       <dsp:txXfrm>
-        <a:off x="32784" y="368223"/>
-        <a:ext cx="8009226" cy="606012"/>
+        <a:off x="26930" y="382033"/>
+        <a:ext cx="8020934" cy="497795"/>
       </dsp:txXfrm>
     </dsp:sp>
     <dsp:sp modelId="{B18C51FE-E40F-4D41-B6F4-70B50768656F}">
@@ -2266,8 +2319,8 @@
       </dsp:nvSpPr>
       <dsp:spPr>
         <a:xfrm>
-          <a:off x="0" y="1087659"/>
-          <a:ext cx="8074794" cy="671580"/>
+          <a:off x="0" y="972998"/>
+          <a:ext cx="8074794" cy="551655"/>
         </a:xfrm>
         <a:prstGeom prst="roundRect">
           <a:avLst/>
@@ -2309,12 +2362,12 @@
         </a:fontRef>
       </dsp:style>
       <dsp:txBody>
-        <a:bodyPr spcFirstLastPara="0" vert="horz" wrap="square" lIns="106680" tIns="106680" rIns="106680" bIns="106680" numCol="1" spcCol="1270" anchor="ctr" anchorCtr="0">
+        <a:bodyPr spcFirstLastPara="0" vert="horz" wrap="square" lIns="87630" tIns="87630" rIns="87630" bIns="87630" numCol="1" spcCol="1270" anchor="ctr" anchorCtr="0">
           <a:noAutofit/>
         </a:bodyPr>
         <a:lstStyle/>
         <a:p>
-          <a:pPr marL="0" lvl="0" indent="0" algn="l" defTabSz="1244600">
+          <a:pPr marL="0" lvl="0" indent="0" algn="l" defTabSz="1022350">
             <a:lnSpc>
               <a:spcPct val="90000"/>
             </a:lnSpc>
@@ -2327,15 +2380,15 @@
             <a:buNone/>
           </a:pPr>
           <a:r>
-            <a:rPr lang="en-GB" sz="2800" kern="1200"/>
+            <a:rPr lang="en-GB" sz="2300" kern="1200"/>
             <a:t>Elegant, minimal and coherent</a:t>
           </a:r>
-          <a:endParaRPr lang="en-US" sz="2800" kern="1200"/>
+          <a:endParaRPr lang="en-US" sz="2300" kern="1200"/>
         </a:p>
       </dsp:txBody>
       <dsp:txXfrm>
-        <a:off x="32784" y="1120443"/>
-        <a:ext cx="8009226" cy="606012"/>
+        <a:off x="26930" y="999928"/>
+        <a:ext cx="8020934" cy="497795"/>
       </dsp:txXfrm>
     </dsp:sp>
     <dsp:sp modelId="{58D27147-9A34-4C24-9712-E2D75045564E}">
@@ -2345,8 +2398,8 @@
       </dsp:nvSpPr>
       <dsp:spPr>
         <a:xfrm>
-          <a:off x="0" y="1839879"/>
-          <a:ext cx="8074794" cy="671580"/>
+          <a:off x="0" y="1590893"/>
+          <a:ext cx="8074794" cy="551655"/>
         </a:xfrm>
         <a:prstGeom prst="roundRect">
           <a:avLst/>
@@ -2388,12 +2441,12 @@
         </a:fontRef>
       </dsp:style>
       <dsp:txBody>
-        <a:bodyPr spcFirstLastPara="0" vert="horz" wrap="square" lIns="106680" tIns="106680" rIns="106680" bIns="106680" numCol="1" spcCol="1270" anchor="ctr" anchorCtr="0">
+        <a:bodyPr spcFirstLastPara="0" vert="horz" wrap="square" lIns="87630" tIns="87630" rIns="87630" bIns="87630" numCol="1" spcCol="1270" anchor="ctr" anchorCtr="0">
           <a:noAutofit/>
         </a:bodyPr>
         <a:lstStyle/>
         <a:p>
-          <a:pPr marL="0" lvl="0" indent="0" algn="l" defTabSz="1244600">
+          <a:pPr marL="0" lvl="0" indent="0" algn="l" defTabSz="1022350">
             <a:lnSpc>
               <a:spcPct val="90000"/>
             </a:lnSpc>
@@ -2406,15 +2459,15 @@
             <a:buNone/>
           </a:pPr>
           <a:r>
-            <a:rPr lang="en-GB" sz="2800" kern="1200"/>
+            <a:rPr lang="en-GB" sz="2300" kern="1200"/>
             <a:t>Seven base units, new units are coherent derivations</a:t>
           </a:r>
-          <a:endParaRPr lang="en-US" sz="2800" kern="1200"/>
+          <a:endParaRPr lang="en-US" sz="2300" kern="1200"/>
         </a:p>
       </dsp:txBody>
       <dsp:txXfrm>
-        <a:off x="32784" y="1872663"/>
-        <a:ext cx="8009226" cy="606012"/>
+        <a:off x="26930" y="1617823"/>
+        <a:ext cx="8020934" cy="497795"/>
       </dsp:txXfrm>
     </dsp:sp>
     <dsp:sp modelId="{808B7242-BF56-480B-AAC4-CEB7E754ADBE}">
@@ -2424,8 +2477,8 @@
       </dsp:nvSpPr>
       <dsp:spPr>
         <a:xfrm>
-          <a:off x="0" y="2592099"/>
-          <a:ext cx="8074794" cy="671580"/>
+          <a:off x="0" y="2208789"/>
+          <a:ext cx="8074794" cy="551655"/>
         </a:xfrm>
         <a:prstGeom prst="roundRect">
           <a:avLst/>
@@ -2467,12 +2520,12 @@
         </a:fontRef>
       </dsp:style>
       <dsp:txBody>
-        <a:bodyPr spcFirstLastPara="0" vert="horz" wrap="square" lIns="106680" tIns="106680" rIns="106680" bIns="106680" numCol="1" spcCol="1270" anchor="ctr" anchorCtr="0">
+        <a:bodyPr spcFirstLastPara="0" vert="horz" wrap="square" lIns="87630" tIns="87630" rIns="87630" bIns="87630" numCol="1" spcCol="1270" anchor="ctr" anchorCtr="0">
           <a:noAutofit/>
         </a:bodyPr>
         <a:lstStyle/>
         <a:p>
-          <a:pPr marL="0" lvl="0" indent="0" algn="l" defTabSz="1244600">
+          <a:pPr marL="0" lvl="0" indent="0" algn="l" defTabSz="1022350">
             <a:lnSpc>
               <a:spcPct val="90000"/>
             </a:lnSpc>
@@ -2485,15 +2538,15 @@
             <a:buNone/>
           </a:pPr>
           <a:r>
-            <a:rPr lang="en-GB" sz="2800" kern="1200"/>
+            <a:rPr lang="en-GB" sz="2300" kern="1200"/>
             <a:t>Formal representation of these units is important </a:t>
           </a:r>
-          <a:endParaRPr lang="en-US" sz="2800" kern="1200"/>
+          <a:endParaRPr lang="en-US" sz="2300" kern="1200"/>
         </a:p>
       </dsp:txBody>
       <dsp:txXfrm>
-        <a:off x="32784" y="2624883"/>
-        <a:ext cx="8009226" cy="606012"/>
+        <a:off x="26930" y="2235719"/>
+        <a:ext cx="8020934" cy="497795"/>
       </dsp:txXfrm>
     </dsp:sp>
     <dsp:sp modelId="{E80F8E7D-49DF-418B-B160-6F7C5CEA2B32}">
@@ -2503,8 +2556,8 @@
       </dsp:nvSpPr>
       <dsp:spPr>
         <a:xfrm>
-          <a:off x="0" y="3344319"/>
-          <a:ext cx="8074794" cy="671580"/>
+          <a:off x="0" y="2826684"/>
+          <a:ext cx="8074794" cy="551655"/>
         </a:xfrm>
         <a:prstGeom prst="roundRect">
           <a:avLst/>
@@ -2546,12 +2599,12 @@
         </a:fontRef>
       </dsp:style>
       <dsp:txBody>
-        <a:bodyPr spcFirstLastPara="0" vert="horz" wrap="square" lIns="106680" tIns="106680" rIns="106680" bIns="106680" numCol="1" spcCol="1270" anchor="ctr" anchorCtr="0">
+        <a:bodyPr spcFirstLastPara="0" vert="horz" wrap="square" lIns="87630" tIns="87630" rIns="87630" bIns="87630" numCol="1" spcCol="1270" anchor="ctr" anchorCtr="0">
           <a:noAutofit/>
         </a:bodyPr>
         <a:lstStyle/>
         <a:p>
-          <a:pPr marL="0" lvl="0" indent="0" algn="l" defTabSz="1244600">
+          <a:pPr marL="0" lvl="0" indent="0" algn="l" defTabSz="1022350">
             <a:lnSpc>
               <a:spcPct val="90000"/>
             </a:lnSpc>
@@ -2564,15 +2617,93 @@
             <a:buNone/>
           </a:pPr>
           <a:r>
-            <a:rPr lang="en-GB" sz="2800" kern="1200"/>
+            <a:rPr lang="en-GB" sz="2300" kern="1200" dirty="0"/>
             <a:t>Reduced error-prone and tedious calculations</a:t>
           </a:r>
-          <a:endParaRPr lang="en-US" sz="2800" kern="1200"/>
+          <a:endParaRPr lang="en-US" sz="2300" kern="1200" dirty="0"/>
         </a:p>
       </dsp:txBody>
       <dsp:txXfrm>
-        <a:off x="32784" y="3377103"/>
-        <a:ext cx="8009226" cy="606012"/>
+        <a:off x="26930" y="2853614"/>
+        <a:ext cx="8020934" cy="497795"/>
+      </dsp:txXfrm>
+    </dsp:sp>
+    <dsp:sp modelId="{05612A00-4CA2-894F-B3D1-CE9AA7B5D3C6}">
+      <dsp:nvSpPr>
+        <dsp:cNvPr id="0" name=""/>
+        <dsp:cNvSpPr/>
+      </dsp:nvSpPr>
+      <dsp:spPr>
+        <a:xfrm>
+          <a:off x="0" y="3444579"/>
+          <a:ext cx="8074794" cy="551655"/>
+        </a:xfrm>
+        <a:prstGeom prst="roundRect">
+          <a:avLst/>
+        </a:prstGeom>
+        <a:solidFill>
+          <a:schemeClr val="dk2">
+            <a:hueOff val="0"/>
+            <a:satOff val="0"/>
+            <a:lumOff val="0"/>
+            <a:alphaOff val="0"/>
+          </a:schemeClr>
+        </a:solidFill>
+        <a:ln w="12700" cap="flat" cmpd="sng" algn="ctr">
+          <a:solidFill>
+            <a:schemeClr val="lt2">
+              <a:hueOff val="0"/>
+              <a:satOff val="0"/>
+              <a:lumOff val="0"/>
+              <a:alphaOff val="0"/>
+            </a:schemeClr>
+          </a:solidFill>
+          <a:prstDash val="solid"/>
+          <a:miter lim="800000"/>
+        </a:ln>
+        <a:effectLst/>
+      </dsp:spPr>
+      <dsp:style>
+        <a:lnRef idx="2">
+          <a:scrgbClr r="0" g="0" b="0"/>
+        </a:lnRef>
+        <a:fillRef idx="1">
+          <a:scrgbClr r="0" g="0" b="0"/>
+        </a:fillRef>
+        <a:effectRef idx="0">
+          <a:scrgbClr r="0" g="0" b="0"/>
+        </a:effectRef>
+        <a:fontRef idx="minor">
+          <a:schemeClr val="lt1"/>
+        </a:fontRef>
+      </dsp:style>
+      <dsp:txBody>
+        <a:bodyPr spcFirstLastPara="0" vert="horz" wrap="square" lIns="87630" tIns="87630" rIns="87630" bIns="87630" numCol="1" spcCol="1270" anchor="ctr" anchorCtr="0">
+          <a:noAutofit/>
+        </a:bodyPr>
+        <a:lstStyle/>
+        <a:p>
+          <a:pPr marL="0" lvl="0" indent="0" algn="l" defTabSz="1022350">
+            <a:lnSpc>
+              <a:spcPct val="90000"/>
+            </a:lnSpc>
+            <a:spcBef>
+              <a:spcPct val="0"/>
+            </a:spcBef>
+            <a:spcAft>
+              <a:spcPct val="35000"/>
+            </a:spcAft>
+            <a:buNone/>
+          </a:pPr>
+          <a:r>
+            <a:rPr lang="en-GB" sz="2300" kern="1200" dirty="0"/>
+            <a:t>History: used for personalised medicine application conversions</a:t>
+          </a:r>
+        </a:p>
+      </dsp:txBody>
+      <dsp:txXfrm>
+        <a:off x="26930" y="3471509"/>
+        <a:ext cx="8020934" cy="497795"/>
       </dsp:txXfrm>
     </dsp:sp>
   </dsp:spTree>
@@ -5311,7 +5442,7 @@
           <a:p>
             <a:fld id="{6E38A9DC-9E25-4685-838D-AB5A97295B66}" type="datetimeFigureOut">
               <a:rPr lang="en-GB" smtClean="0"/>
-              <a:t>05/03/2023</a:t>
+              <a:t>06/03/2023</a:t>
             </a:fld>
             <a:endParaRPr lang="en-GB"/>
           </a:p>
@@ -5728,7 +5859,7 @@
           <a:p>
             <a:fld id="{76BA3A6F-BBBE-436E-BB97-5B6DF122B556}" type="datetime1">
               <a:rPr lang="en-GB" smtClean="0"/>
-              <a:t>05/03/2023</a:t>
+              <a:t>06/03/2023</a:t>
             </a:fld>
             <a:endParaRPr lang="en-GB"/>
           </a:p>
@@ -5928,7 +6059,7 @@
           <a:p>
             <a:fld id="{106653B1-8131-4A6A-AB9C-1B28906E5FEE}" type="datetime1">
               <a:rPr lang="en-GB" smtClean="0"/>
-              <a:t>05/03/2023</a:t>
+              <a:t>06/03/2023</a:t>
             </a:fld>
             <a:endParaRPr lang="en-GB"/>
           </a:p>
@@ -6138,7 +6269,7 @@
           <a:p>
             <a:fld id="{47D19019-6859-4879-8AA6-4F38C4CE2845}" type="datetime1">
               <a:rPr lang="en-GB" smtClean="0"/>
-              <a:t>05/03/2023</a:t>
+              <a:t>06/03/2023</a:t>
             </a:fld>
             <a:endParaRPr lang="en-GB"/>
           </a:p>
@@ -6338,7 +6469,7 @@
           <a:p>
             <a:fld id="{3DE72EEC-4252-4E73-8225-170A8383FE1B}" type="datetime1">
               <a:rPr lang="en-GB" smtClean="0"/>
-              <a:t>05/03/2023</a:t>
+              <a:t>06/03/2023</a:t>
             </a:fld>
             <a:endParaRPr lang="en-GB"/>
           </a:p>
@@ -6614,7 +6745,7 @@
           <a:p>
             <a:fld id="{BCF9D066-5873-442E-81C1-798E97D368C4}" type="datetime1">
               <a:rPr lang="en-GB" smtClean="0"/>
-              <a:t>05/03/2023</a:t>
+              <a:t>06/03/2023</a:t>
             </a:fld>
             <a:endParaRPr lang="en-GB"/>
           </a:p>
@@ -6882,7 +7013,7 @@
           <a:p>
             <a:fld id="{259DAECF-0D0C-4D26-8816-3E375E6DDDE1}" type="datetime1">
               <a:rPr lang="en-GB" smtClean="0"/>
-              <a:t>05/03/2023</a:t>
+              <a:t>06/03/2023</a:t>
             </a:fld>
             <a:endParaRPr lang="en-GB"/>
           </a:p>
@@ -7297,7 +7428,7 @@
           <a:p>
             <a:fld id="{7ED82D9C-D78C-456A-B535-5A7B6456CBE0}" type="datetime1">
               <a:rPr lang="en-GB" smtClean="0"/>
-              <a:t>05/03/2023</a:t>
+              <a:t>06/03/2023</a:t>
             </a:fld>
             <a:endParaRPr lang="en-GB"/>
           </a:p>
@@ -7439,7 +7570,7 @@
           <a:p>
             <a:fld id="{01C34CFD-872B-4AF2-9E66-74021F29E875}" type="datetime1">
               <a:rPr lang="en-GB" smtClean="0"/>
-              <a:t>05/03/2023</a:t>
+              <a:t>06/03/2023</a:t>
             </a:fld>
             <a:endParaRPr lang="en-GB"/>
           </a:p>
@@ -7552,7 +7683,7 @@
           <a:p>
             <a:fld id="{6FFA839B-BDF8-4769-8D67-FA57AE014E53}" type="datetime1">
               <a:rPr lang="en-GB" smtClean="0"/>
-              <a:t>05/03/2023</a:t>
+              <a:t>06/03/2023</a:t>
             </a:fld>
             <a:endParaRPr lang="en-GB"/>
           </a:p>
@@ -7865,7 +7996,7 @@
           <a:p>
             <a:fld id="{3B2B6CA8-E50F-45F8-B86F-33C95EF8D81F}" type="datetime1">
               <a:rPr lang="en-GB" smtClean="0"/>
-              <a:t>05/03/2023</a:t>
+              <a:t>06/03/2023</a:t>
             </a:fld>
             <a:endParaRPr lang="en-GB"/>
           </a:p>
@@ -8154,7 +8285,7 @@
           <a:p>
             <a:fld id="{217FF8D2-F24E-40FD-A84F-A85975E72917}" type="datetime1">
               <a:rPr lang="en-GB" smtClean="0"/>
-              <a:t>05/03/2023</a:t>
+              <a:t>06/03/2023</a:t>
             </a:fld>
             <a:endParaRPr lang="en-GB"/>
           </a:p>
@@ -8397,7 +8528,7 @@
           <a:p>
             <a:fld id="{1A2DE837-6299-448E-95CE-52ABCF7B0F1E}" type="datetime1">
               <a:rPr lang="en-GB" smtClean="0"/>
-              <a:t>05/03/2023</a:t>
+              <a:t>06/03/2023</a:t>
             </a:fld>
             <a:endParaRPr lang="en-GB"/>
           </a:p>
@@ -9200,8 +9331,8 @@
         </p:blipFill>
         <p:spPr>
           <a:xfrm>
-            <a:off x="9927701" y="39629"/>
-            <a:ext cx="2207299" cy="776564"/>
+            <a:off x="9927700" y="39629"/>
+            <a:ext cx="2210244" cy="777600"/>
           </a:xfrm>
           <a:prstGeom prst="rect">
             <a:avLst/>
@@ -9333,7 +9464,7 @@
           <a:bodyPr/>
           <a:lstStyle/>
           <a:p>
-            <a:endParaRPr lang="en-GB"/>
+            <a:endParaRPr lang="en-GB" dirty="0"/>
           </a:p>
         </p:txBody>
       </p:sp>
@@ -9467,6 +9598,16 @@
             <a:r>
               <a:rPr lang="en-GB" dirty="0"/>
               <a:t>ISQ provides some approximation function that should be taken into account for high-precision calculations</a:t>
+            </a:r>
+          </a:p>
+          <a:p>
+            <a:pPr lvl="1"/>
+            <a:endParaRPr lang="en-GB" dirty="0"/>
+          </a:p>
+          <a:p>
+            <a:r>
+              <a:rPr lang="en-GB" dirty="0"/>
+              <a:t>History: used for personalised medicine application conversions</a:t>
             </a:r>
           </a:p>
         </p:txBody>
@@ -9932,7 +10073,7 @@
             <p:ph idx="1"/>
             <p:extLst>
               <p:ext uri="{D42A27DB-BD31-4B8C-83A1-F6EECF244321}">
-                <p14:modId xmlns:p14="http://schemas.microsoft.com/office/powerpoint/2010/main" val="1266216950"/>
+                <p14:modId xmlns:p14="http://schemas.microsoft.com/office/powerpoint/2010/main" val="898778268"/>
               </p:ext>
             </p:extLst>
           </p:nvPr>
@@ -13864,7 +14005,7 @@
         </p:spPr>
         <p:txBody>
           <a:bodyPr>
-            <a:normAutofit/>
+            <a:normAutofit fontScale="92500"/>
           </a:bodyPr>
           <a:lstStyle/>
           <a:p>
@@ -13877,6 +14018,12 @@
             <a:r>
               <a:rPr lang="en-GB" sz="2000" dirty="0"/>
               <a:t>Quantity convert uses set product of integer exponents for corresponding schemas</a:t>
+            </a:r>
+          </a:p>
+          <a:p>
+            <a:r>
+              <a:rPr lang="en-GB" sz="2000" dirty="0"/>
+              <a:t>Be aware of potential real precision issues</a:t>
             </a:r>
           </a:p>
         </p:txBody>

--- a/plugins/vdm2isa/pub/isq-lib/International System of Quantities library in VDM.pptx
+++ b/plugins/vdm2isa/pub/isq-lib/International System of Quantities library in VDM.pptx
@@ -5,7 +5,7 @@
     <p:sldMasterId id="2147483648" r:id="rId1"/>
   </p:sldMasterIdLst>
   <p:notesMasterIdLst>
-    <p:notesMasterId r:id="rId15"/>
+    <p:notesMasterId r:id="rId16"/>
   </p:notesMasterIdLst>
   <p:sldIdLst>
     <p:sldId id="256" r:id="rId2"/>
@@ -18,9 +18,10 @@
     <p:sldId id="264" r:id="rId9"/>
     <p:sldId id="265" r:id="rId10"/>
     <p:sldId id="266" r:id="rId11"/>
-    <p:sldId id="267" r:id="rId12"/>
-    <p:sldId id="270" r:id="rId13"/>
-    <p:sldId id="269" r:id="rId14"/>
+    <p:sldId id="271" r:id="rId12"/>
+    <p:sldId id="267" r:id="rId13"/>
+    <p:sldId id="270" r:id="rId14"/>
+    <p:sldId id="269" r:id="rId15"/>
   </p:sldIdLst>
   <p:sldSz cx="12192000" cy="6858000"/>
   <p:notesSz cx="6858000" cy="9144000"/>
@@ -5442,7 +5443,7 @@
           <a:p>
             <a:fld id="{6E38A9DC-9E25-4685-838D-AB5A97295B66}" type="datetimeFigureOut">
               <a:rPr lang="en-GB" smtClean="0"/>
-              <a:t>06/03/2023</a:t>
+              <a:t>07/03/2023</a:t>
             </a:fld>
             <a:endParaRPr lang="en-GB"/>
           </a:p>
@@ -5859,7 +5860,7 @@
           <a:p>
             <a:fld id="{76BA3A6F-BBBE-436E-BB97-5B6DF122B556}" type="datetime1">
               <a:rPr lang="en-GB" smtClean="0"/>
-              <a:t>06/03/2023</a:t>
+              <a:t>07/03/2023</a:t>
             </a:fld>
             <a:endParaRPr lang="en-GB"/>
           </a:p>
@@ -6059,7 +6060,7 @@
           <a:p>
             <a:fld id="{106653B1-8131-4A6A-AB9C-1B28906E5FEE}" type="datetime1">
               <a:rPr lang="en-GB" smtClean="0"/>
-              <a:t>06/03/2023</a:t>
+              <a:t>07/03/2023</a:t>
             </a:fld>
             <a:endParaRPr lang="en-GB"/>
           </a:p>
@@ -6269,7 +6270,7 @@
           <a:p>
             <a:fld id="{47D19019-6859-4879-8AA6-4F38C4CE2845}" type="datetime1">
               <a:rPr lang="en-GB" smtClean="0"/>
-              <a:t>06/03/2023</a:t>
+              <a:t>07/03/2023</a:t>
             </a:fld>
             <a:endParaRPr lang="en-GB"/>
           </a:p>
@@ -6469,7 +6470,7 @@
           <a:p>
             <a:fld id="{3DE72EEC-4252-4E73-8225-170A8383FE1B}" type="datetime1">
               <a:rPr lang="en-GB" smtClean="0"/>
-              <a:t>06/03/2023</a:t>
+              <a:t>07/03/2023</a:t>
             </a:fld>
             <a:endParaRPr lang="en-GB"/>
           </a:p>
@@ -6745,7 +6746,7 @@
           <a:p>
             <a:fld id="{BCF9D066-5873-442E-81C1-798E97D368C4}" type="datetime1">
               <a:rPr lang="en-GB" smtClean="0"/>
-              <a:t>06/03/2023</a:t>
+              <a:t>07/03/2023</a:t>
             </a:fld>
             <a:endParaRPr lang="en-GB"/>
           </a:p>
@@ -7013,7 +7014,7 @@
           <a:p>
             <a:fld id="{259DAECF-0D0C-4D26-8816-3E375E6DDDE1}" type="datetime1">
               <a:rPr lang="en-GB" smtClean="0"/>
-              <a:t>06/03/2023</a:t>
+              <a:t>07/03/2023</a:t>
             </a:fld>
             <a:endParaRPr lang="en-GB"/>
           </a:p>
@@ -7428,7 +7429,7 @@
           <a:p>
             <a:fld id="{7ED82D9C-D78C-456A-B535-5A7B6456CBE0}" type="datetime1">
               <a:rPr lang="en-GB" smtClean="0"/>
-              <a:t>06/03/2023</a:t>
+              <a:t>07/03/2023</a:t>
             </a:fld>
             <a:endParaRPr lang="en-GB"/>
           </a:p>
@@ -7570,7 +7571,7 @@
           <a:p>
             <a:fld id="{01C34CFD-872B-4AF2-9E66-74021F29E875}" type="datetime1">
               <a:rPr lang="en-GB" smtClean="0"/>
-              <a:t>06/03/2023</a:t>
+              <a:t>07/03/2023</a:t>
             </a:fld>
             <a:endParaRPr lang="en-GB"/>
           </a:p>
@@ -7683,7 +7684,7 @@
           <a:p>
             <a:fld id="{6FFA839B-BDF8-4769-8D67-FA57AE014E53}" type="datetime1">
               <a:rPr lang="en-GB" smtClean="0"/>
-              <a:t>06/03/2023</a:t>
+              <a:t>07/03/2023</a:t>
             </a:fld>
             <a:endParaRPr lang="en-GB"/>
           </a:p>
@@ -7996,7 +7997,7 @@
           <a:p>
             <a:fld id="{3B2B6CA8-E50F-45F8-B86F-33C95EF8D81F}" type="datetime1">
               <a:rPr lang="en-GB" smtClean="0"/>
-              <a:t>06/03/2023</a:t>
+              <a:t>07/03/2023</a:t>
             </a:fld>
             <a:endParaRPr lang="en-GB"/>
           </a:p>
@@ -8285,7 +8286,7 @@
           <a:p>
             <a:fld id="{217FF8D2-F24E-40FD-A84F-A85975E72917}" type="datetime1">
               <a:rPr lang="en-GB" smtClean="0"/>
-              <a:t>06/03/2023</a:t>
+              <a:t>07/03/2023</a:t>
             </a:fld>
             <a:endParaRPr lang="en-GB"/>
           </a:p>
@@ -8528,7 +8529,7 @@
           <a:p>
             <a:fld id="{1A2DE837-6299-448E-95CE-52ABCF7B0F1E}" type="datetime1">
               <a:rPr lang="en-GB" smtClean="0"/>
-              <a:t>06/03/2023</a:t>
+              <a:t>07/03/2023</a:t>
             </a:fld>
             <a:endParaRPr lang="en-GB"/>
           </a:p>
@@ -9101,7 +9102,7 @@
           <a:p>
             <a:pPr algn="r"/>
             <a:r>
-              <a:rPr lang="en-US" sz="5000" b="1" kern="1200">
+              <a:rPr lang="en-US" sz="5000" b="1" kern="1200" dirty="0">
                 <a:solidFill>
                   <a:srgbClr val="FFFFFF"/>
                 </a:solidFill>
@@ -9438,17 +9439,361 @@
           <a:p>
             <a:r>
               <a:rPr lang="en-GB" dirty="0"/>
-              <a:t>Examples</a:t>
+              <a:t>Example: Dimensions</a:t>
             </a:r>
           </a:p>
         </p:txBody>
       </p:sp>
+      <p:cxnSp>
+        <p:nvCxnSpPr>
+          <p:cNvPr id="34" name="Straight Connector 33">
+            <a:extLst>
+              <a:ext uri="{FF2B5EF4-FFF2-40B4-BE49-F238E27FC236}">
+                <a16:creationId xmlns:a16="http://schemas.microsoft.com/office/drawing/2014/main" id="{3FD58590-7FA6-D7D6-04B5-F4BF10CDA50B}"/>
+              </a:ext>
+            </a:extLst>
+          </p:cNvPr>
+          <p:cNvCxnSpPr>
+            <a:cxnSpLocks/>
+          </p:cNvCxnSpPr>
+          <p:nvPr/>
+        </p:nvCxnSpPr>
+        <p:spPr>
+          <a:xfrm>
+            <a:off x="922421" y="1368157"/>
+            <a:ext cx="3282215" cy="0"/>
+          </a:xfrm>
+          <a:prstGeom prst="line">
+            <a:avLst/>
+          </a:prstGeom>
+          <a:ln w="19050">
+            <a:solidFill>
+              <a:srgbClr val="195DA9"/>
+            </a:solidFill>
+          </a:ln>
+        </p:spPr>
+        <p:style>
+          <a:lnRef idx="1">
+            <a:schemeClr val="accent1"/>
+          </a:lnRef>
+          <a:fillRef idx="0">
+            <a:schemeClr val="accent1"/>
+          </a:fillRef>
+          <a:effectRef idx="0">
+            <a:schemeClr val="accent1"/>
+          </a:effectRef>
+          <a:fontRef idx="minor">
+            <a:schemeClr val="tx1"/>
+          </a:fontRef>
+        </p:style>
+      </p:cxnSp>
+      <p:grpSp>
+        <p:nvGrpSpPr>
+          <p:cNvPr id="50" name="Group 49">
+            <a:extLst>
+              <a:ext uri="{FF2B5EF4-FFF2-40B4-BE49-F238E27FC236}">
+                <a16:creationId xmlns:a16="http://schemas.microsoft.com/office/drawing/2014/main" id="{397D2897-6FAB-76E7-BF58-508A42A33931}"/>
+              </a:ext>
+            </a:extLst>
+          </p:cNvPr>
+          <p:cNvGrpSpPr/>
+          <p:nvPr/>
+        </p:nvGrpSpPr>
+        <p:grpSpPr>
+          <a:xfrm>
+            <a:off x="922421" y="1826637"/>
+            <a:ext cx="4544163" cy="1602363"/>
+            <a:chOff x="922421" y="1826637"/>
+            <a:chExt cx="4544163" cy="1602363"/>
+          </a:xfrm>
+        </p:grpSpPr>
+        <p:pic>
+          <p:nvPicPr>
+            <p:cNvPr id="41" name="Picture 40">
+              <a:extLst>
+                <a:ext uri="{FF2B5EF4-FFF2-40B4-BE49-F238E27FC236}">
+                  <a16:creationId xmlns:a16="http://schemas.microsoft.com/office/drawing/2014/main" id="{C6B92410-DE60-3B5D-654B-1AE7673A9C60}"/>
+                </a:ext>
+              </a:extLst>
+            </p:cNvPr>
+            <p:cNvPicPr>
+              <a:picLocks noChangeAspect="1"/>
+            </p:cNvPicPr>
+            <p:nvPr/>
+          </p:nvPicPr>
+          <p:blipFill>
+            <a:blip r:embed="rId2"/>
+            <a:stretch>
+              <a:fillRect/>
+            </a:stretch>
+          </p:blipFill>
+          <p:spPr>
+            <a:xfrm>
+              <a:off x="922421" y="2239001"/>
+              <a:ext cx="4544163" cy="1189999"/>
+            </a:xfrm>
+            <a:prstGeom prst="rect">
+              <a:avLst/>
+            </a:prstGeom>
+            <a:ln w="28575">
+              <a:solidFill>
+                <a:srgbClr val="195DA9"/>
+              </a:solidFill>
+            </a:ln>
+          </p:spPr>
+        </p:pic>
+        <p:sp>
+          <p:nvSpPr>
+            <p:cNvPr id="42" name="TextBox 41">
+              <a:extLst>
+                <a:ext uri="{FF2B5EF4-FFF2-40B4-BE49-F238E27FC236}">
+                  <a16:creationId xmlns:a16="http://schemas.microsoft.com/office/drawing/2014/main" id="{3A32C9C5-29D3-421C-BCBF-41C7B5C6C52B}"/>
+                </a:ext>
+              </a:extLst>
+            </p:cNvPr>
+            <p:cNvSpPr txBox="1"/>
+            <p:nvPr/>
+          </p:nvSpPr>
+          <p:spPr>
+            <a:xfrm>
+              <a:off x="2047384" y="1826637"/>
+              <a:ext cx="2294235" cy="307777"/>
+            </a:xfrm>
+            <a:prstGeom prst="rect">
+              <a:avLst/>
+            </a:prstGeom>
+            <a:solidFill>
+              <a:schemeClr val="bg1"/>
+            </a:solidFill>
+            <a:ln w="19050">
+              <a:solidFill>
+                <a:srgbClr val="CF122D"/>
+              </a:solidFill>
+            </a:ln>
+          </p:spPr>
+          <p:txBody>
+            <a:bodyPr wrap="square" rtlCol="0">
+              <a:spAutoFit/>
+            </a:bodyPr>
+            <a:lstStyle/>
+            <a:p>
+              <a:pPr algn="ctr"/>
+              <a:r>
+                <a:rPr lang="en-GB" sz="1400" dirty="0"/>
+                <a:t>Basic Dimensions</a:t>
+              </a:r>
+            </a:p>
+          </p:txBody>
+        </p:sp>
+      </p:grpSp>
+      <p:grpSp>
+        <p:nvGrpSpPr>
+          <p:cNvPr id="52" name="Group 51">
+            <a:extLst>
+              <a:ext uri="{FF2B5EF4-FFF2-40B4-BE49-F238E27FC236}">
+                <a16:creationId xmlns:a16="http://schemas.microsoft.com/office/drawing/2014/main" id="{0972ED66-FD15-8362-B513-1FEE672374D2}"/>
+              </a:ext>
+            </a:extLst>
+          </p:cNvPr>
+          <p:cNvGrpSpPr/>
+          <p:nvPr/>
+        </p:nvGrpSpPr>
+        <p:grpSpPr>
+          <a:xfrm>
+            <a:off x="2770055" y="3533587"/>
+            <a:ext cx="5840545" cy="3027857"/>
+            <a:chOff x="2770055" y="3533587"/>
+            <a:chExt cx="5840545" cy="3027857"/>
+          </a:xfrm>
+        </p:grpSpPr>
+        <p:pic>
+          <p:nvPicPr>
+            <p:cNvPr id="44" name="Picture 43">
+              <a:extLst>
+                <a:ext uri="{FF2B5EF4-FFF2-40B4-BE49-F238E27FC236}">
+                  <a16:creationId xmlns:a16="http://schemas.microsoft.com/office/drawing/2014/main" id="{32315DBE-593D-5F95-C2DE-8DAA60519608}"/>
+                </a:ext>
+              </a:extLst>
+            </p:cNvPr>
+            <p:cNvPicPr>
+              <a:picLocks noChangeAspect="1"/>
+            </p:cNvPicPr>
+            <p:nvPr/>
+          </p:nvPicPr>
+          <p:blipFill rotWithShape="1">
+            <a:blip r:embed="rId3">
+              <a:extLst>
+                <a:ext uri="{28A0092B-C50C-407E-A947-70E740481C1C}">
+                  <a14:useLocalDpi xmlns:a14="http://schemas.microsoft.com/office/drawing/2010/main" val="0"/>
+                </a:ext>
+              </a:extLst>
+            </a:blip>
+            <a:srcRect t="-1269" b="401"/>
+            <a:stretch/>
+          </p:blipFill>
+          <p:spPr>
+            <a:xfrm>
+              <a:off x="2770055" y="3533587"/>
+              <a:ext cx="5840545" cy="2624618"/>
+            </a:xfrm>
+            <a:prstGeom prst="rect">
+              <a:avLst/>
+            </a:prstGeom>
+            <a:ln w="28575">
+              <a:solidFill>
+                <a:srgbClr val="195DA9"/>
+              </a:solidFill>
+            </a:ln>
+          </p:spPr>
+        </p:pic>
+        <p:sp>
+          <p:nvSpPr>
+            <p:cNvPr id="45" name="TextBox 44">
+              <a:extLst>
+                <a:ext uri="{FF2B5EF4-FFF2-40B4-BE49-F238E27FC236}">
+                  <a16:creationId xmlns:a16="http://schemas.microsoft.com/office/drawing/2014/main" id="{0C81FF3F-A099-7E28-572A-6726B760977E}"/>
+                </a:ext>
+              </a:extLst>
+            </p:cNvPr>
+            <p:cNvSpPr txBox="1"/>
+            <p:nvPr/>
+          </p:nvSpPr>
+          <p:spPr>
+            <a:xfrm>
+              <a:off x="4566476" y="6253667"/>
+              <a:ext cx="2294235" cy="307777"/>
+            </a:xfrm>
+            <a:prstGeom prst="rect">
+              <a:avLst/>
+            </a:prstGeom>
+            <a:solidFill>
+              <a:schemeClr val="bg1"/>
+            </a:solidFill>
+            <a:ln w="19050">
+              <a:solidFill>
+                <a:srgbClr val="CF122D"/>
+              </a:solidFill>
+            </a:ln>
+          </p:spPr>
+          <p:txBody>
+            <a:bodyPr wrap="square" rtlCol="0">
+              <a:spAutoFit/>
+            </a:bodyPr>
+            <a:lstStyle/>
+            <a:p>
+              <a:pPr algn="ctr"/>
+              <a:r>
+                <a:rPr lang="en-GB" sz="1400" dirty="0"/>
+                <a:t>Derived Dimensions</a:t>
+              </a:r>
+            </a:p>
+          </p:txBody>
+        </p:sp>
+      </p:grpSp>
+      <p:grpSp>
+        <p:nvGrpSpPr>
+          <p:cNvPr id="51" name="Group 50">
+            <a:extLst>
+              <a:ext uri="{FF2B5EF4-FFF2-40B4-BE49-F238E27FC236}">
+                <a16:creationId xmlns:a16="http://schemas.microsoft.com/office/drawing/2014/main" id="{43D06333-E954-232A-1D00-59F3FEBCEB2F}"/>
+              </a:ext>
+            </a:extLst>
+          </p:cNvPr>
+          <p:cNvGrpSpPr/>
+          <p:nvPr/>
+        </p:nvGrpSpPr>
+        <p:grpSpPr>
+          <a:xfrm>
+            <a:off x="5713594" y="1826638"/>
+            <a:ext cx="6278570" cy="910034"/>
+            <a:chOff x="5713594" y="1826638"/>
+            <a:chExt cx="6278570" cy="910034"/>
+          </a:xfrm>
+        </p:grpSpPr>
+        <p:pic>
+          <p:nvPicPr>
+            <p:cNvPr id="47" name="Picture 46">
+              <a:extLst>
+                <a:ext uri="{FF2B5EF4-FFF2-40B4-BE49-F238E27FC236}">
+                  <a16:creationId xmlns:a16="http://schemas.microsoft.com/office/drawing/2014/main" id="{2629AD2E-7668-E9B6-3CE3-89AA671B54EB}"/>
+                </a:ext>
+              </a:extLst>
+            </p:cNvPr>
+            <p:cNvPicPr>
+              <a:picLocks noChangeAspect="1"/>
+            </p:cNvPicPr>
+            <p:nvPr/>
+          </p:nvPicPr>
+          <p:blipFill rotWithShape="1">
+            <a:blip r:embed="rId4"/>
+            <a:srcRect t="1705" r="14896"/>
+            <a:stretch/>
+          </p:blipFill>
+          <p:spPr>
+            <a:xfrm>
+              <a:off x="5713594" y="2221176"/>
+              <a:ext cx="6278570" cy="515496"/>
+            </a:xfrm>
+            <a:prstGeom prst="rect">
+              <a:avLst/>
+            </a:prstGeom>
+            <a:ln w="28575">
+              <a:solidFill>
+                <a:srgbClr val="195DA9"/>
+              </a:solidFill>
+            </a:ln>
+          </p:spPr>
+        </p:pic>
+        <p:sp>
+          <p:nvSpPr>
+            <p:cNvPr id="48" name="TextBox 47">
+              <a:extLst>
+                <a:ext uri="{FF2B5EF4-FFF2-40B4-BE49-F238E27FC236}">
+                  <a16:creationId xmlns:a16="http://schemas.microsoft.com/office/drawing/2014/main" id="{DA20EE2A-ED8B-64E5-BB03-A987C48E62D2}"/>
+                </a:ext>
+              </a:extLst>
+            </p:cNvPr>
+            <p:cNvSpPr txBox="1"/>
+            <p:nvPr/>
+          </p:nvSpPr>
+          <p:spPr>
+            <a:xfrm>
+              <a:off x="7705761" y="1826638"/>
+              <a:ext cx="2294235" cy="307777"/>
+            </a:xfrm>
+            <a:prstGeom prst="rect">
+              <a:avLst/>
+            </a:prstGeom>
+            <a:solidFill>
+              <a:schemeClr val="bg1"/>
+            </a:solidFill>
+            <a:ln w="19050">
+              <a:solidFill>
+                <a:srgbClr val="CF122D"/>
+              </a:solidFill>
+            </a:ln>
+          </p:spPr>
+          <p:txBody>
+            <a:bodyPr wrap="square" rtlCol="0">
+              <a:spAutoFit/>
+            </a:bodyPr>
+            <a:lstStyle/>
+            <a:p>
+              <a:pPr algn="ctr"/>
+              <a:r>
+                <a:rPr lang="en-GB" sz="1400" dirty="0"/>
+                <a:t>Pure Quantities</a:t>
+              </a:r>
+            </a:p>
+          </p:txBody>
+        </p:sp>
+      </p:grpSp>
       <p:sp>
         <p:nvSpPr>
-          <p:cNvPr id="3" name="Content Placeholder 2">
+          <p:cNvPr id="49" name="Slide Number Placeholder 3">
             <a:extLst>
               <a:ext uri="{FF2B5EF4-FFF2-40B4-BE49-F238E27FC236}">
-                <a16:creationId xmlns:a16="http://schemas.microsoft.com/office/drawing/2014/main" id="{5297284A-4DB1-B36B-3B63-84CE00A8E72B}"/>
+                <a16:creationId xmlns:a16="http://schemas.microsoft.com/office/drawing/2014/main" id="{4259C026-B7AB-92D6-5C55-FA5436803C5B}"/>
               </a:ext>
             </a:extLst>
           </p:cNvPr>
@@ -9456,7 +9801,616 @@
             <a:spLocks noGrp="1"/>
           </p:cNvSpPr>
           <p:nvPr>
-            <p:ph idx="1"/>
+            <p:ph type="sldNum" sz="quarter" idx="12"/>
+          </p:nvPr>
+        </p:nvSpPr>
+        <p:spPr>
+          <a:xfrm>
+            <a:off x="8610600" y="6356350"/>
+            <a:ext cx="2743200" cy="365125"/>
+          </a:xfrm>
+        </p:spPr>
+        <p:txBody>
+          <a:bodyPr/>
+          <a:lstStyle/>
+          <a:p>
+            <a:fld id="{EC23855D-19AD-48A2-81F2-A97A89722104}" type="slidenum">
+              <a:rPr lang="en-GB" smtClean="0"/>
+              <a:t>10</a:t>
+            </a:fld>
+            <a:endParaRPr lang="en-GB" dirty="0"/>
+          </a:p>
+        </p:txBody>
+      </p:sp>
+    </p:spTree>
+    <p:extLst>
+      <p:ext uri="{BB962C8B-B14F-4D97-AF65-F5344CB8AC3E}">
+        <p14:creationId xmlns:p14="http://schemas.microsoft.com/office/powerpoint/2010/main" val="1728212061"/>
+      </p:ext>
+    </p:extLst>
+  </p:cSld>
+  <p:clrMapOvr>
+    <a:masterClrMapping/>
+  </p:clrMapOvr>
+  <p:timing>
+    <p:tnLst>
+      <p:par>
+        <p:cTn id="1" dur="indefinite" restart="never" nodeType="tmRoot">
+          <p:childTnLst>
+            <p:seq concurrent="1" nextAc="seek">
+              <p:cTn id="2" dur="indefinite" nodeType="mainSeq">
+                <p:childTnLst>
+                  <p:par>
+                    <p:cTn id="3" fill="hold">
+                      <p:stCondLst>
+                        <p:cond delay="indefinite"/>
+                      </p:stCondLst>
+                      <p:childTnLst>
+                        <p:par>
+                          <p:cTn id="4" fill="hold">
+                            <p:stCondLst>
+                              <p:cond delay="0"/>
+                            </p:stCondLst>
+                            <p:childTnLst>
+                              <p:par>
+                                <p:cTn id="5" presetID="1" presetClass="entr" presetSubtype="0" fill="hold" nodeType="clickEffect">
+                                  <p:stCondLst>
+                                    <p:cond delay="0"/>
+                                  </p:stCondLst>
+                                  <p:childTnLst>
+                                    <p:set>
+                                      <p:cBhvr>
+                                        <p:cTn id="6" dur="1" fill="hold">
+                                          <p:stCondLst>
+                                            <p:cond delay="0"/>
+                                          </p:stCondLst>
+                                        </p:cTn>
+                                        <p:tgtEl>
+                                          <p:spTgt spid="50"/>
+                                        </p:tgtEl>
+                                        <p:attrNameLst>
+                                          <p:attrName>style.visibility</p:attrName>
+                                        </p:attrNameLst>
+                                      </p:cBhvr>
+                                      <p:to>
+                                        <p:strVal val="visible"/>
+                                      </p:to>
+                                    </p:set>
+                                  </p:childTnLst>
+                                </p:cTn>
+                              </p:par>
+                            </p:childTnLst>
+                          </p:cTn>
+                        </p:par>
+                      </p:childTnLst>
+                    </p:cTn>
+                  </p:par>
+                  <p:par>
+                    <p:cTn id="7" fill="hold">
+                      <p:stCondLst>
+                        <p:cond delay="indefinite"/>
+                      </p:stCondLst>
+                      <p:childTnLst>
+                        <p:par>
+                          <p:cTn id="8" fill="hold">
+                            <p:stCondLst>
+                              <p:cond delay="0"/>
+                            </p:stCondLst>
+                            <p:childTnLst>
+                              <p:par>
+                                <p:cTn id="9" presetID="1" presetClass="entr" presetSubtype="0" fill="hold" nodeType="clickEffect">
+                                  <p:stCondLst>
+                                    <p:cond delay="0"/>
+                                  </p:stCondLst>
+                                  <p:childTnLst>
+                                    <p:set>
+                                      <p:cBhvr>
+                                        <p:cTn id="10" dur="1" fill="hold">
+                                          <p:stCondLst>
+                                            <p:cond delay="0"/>
+                                          </p:stCondLst>
+                                        </p:cTn>
+                                        <p:tgtEl>
+                                          <p:spTgt spid="51"/>
+                                        </p:tgtEl>
+                                        <p:attrNameLst>
+                                          <p:attrName>style.visibility</p:attrName>
+                                        </p:attrNameLst>
+                                      </p:cBhvr>
+                                      <p:to>
+                                        <p:strVal val="visible"/>
+                                      </p:to>
+                                    </p:set>
+                                  </p:childTnLst>
+                                </p:cTn>
+                              </p:par>
+                            </p:childTnLst>
+                          </p:cTn>
+                        </p:par>
+                      </p:childTnLst>
+                    </p:cTn>
+                  </p:par>
+                  <p:par>
+                    <p:cTn id="11" fill="hold">
+                      <p:stCondLst>
+                        <p:cond delay="indefinite"/>
+                      </p:stCondLst>
+                      <p:childTnLst>
+                        <p:par>
+                          <p:cTn id="12" fill="hold">
+                            <p:stCondLst>
+                              <p:cond delay="0"/>
+                            </p:stCondLst>
+                            <p:childTnLst>
+                              <p:par>
+                                <p:cTn id="13" presetID="1" presetClass="entr" presetSubtype="0" fill="hold" nodeType="clickEffect">
+                                  <p:stCondLst>
+                                    <p:cond delay="0"/>
+                                  </p:stCondLst>
+                                  <p:childTnLst>
+                                    <p:set>
+                                      <p:cBhvr>
+                                        <p:cTn id="14" dur="1" fill="hold">
+                                          <p:stCondLst>
+                                            <p:cond delay="0"/>
+                                          </p:stCondLst>
+                                        </p:cTn>
+                                        <p:tgtEl>
+                                          <p:spTgt spid="52"/>
+                                        </p:tgtEl>
+                                        <p:attrNameLst>
+                                          <p:attrName>style.visibility</p:attrName>
+                                        </p:attrNameLst>
+                                      </p:cBhvr>
+                                      <p:to>
+                                        <p:strVal val="visible"/>
+                                      </p:to>
+                                    </p:set>
+                                  </p:childTnLst>
+                                </p:cTn>
+                              </p:par>
+                            </p:childTnLst>
+                          </p:cTn>
+                        </p:par>
+                      </p:childTnLst>
+                    </p:cTn>
+                  </p:par>
+                </p:childTnLst>
+              </p:cTn>
+              <p:prevCondLst>
+                <p:cond evt="onPrev" delay="0">
+                  <p:tgtEl>
+                    <p:sldTgt/>
+                  </p:tgtEl>
+                </p:cond>
+              </p:prevCondLst>
+              <p:nextCondLst>
+                <p:cond evt="onNext" delay="0">
+                  <p:tgtEl>
+                    <p:sldTgt/>
+                  </p:tgtEl>
+                </p:cond>
+              </p:nextCondLst>
+            </p:seq>
+          </p:childTnLst>
+        </p:cTn>
+      </p:par>
+    </p:tnLst>
+  </p:timing>
+</p:sld>
+</file>
+
+<file path=ppt/slides/slide11.xml><?xml version="1.0" encoding="utf-8"?>
+<p:sld xmlns:a="http://schemas.openxmlformats.org/drawingml/2006/main" xmlns:r="http://schemas.openxmlformats.org/officeDocument/2006/relationships" xmlns:p="http://schemas.openxmlformats.org/presentationml/2006/main">
+  <p:cSld>
+    <p:spTree>
+      <p:nvGrpSpPr>
+        <p:cNvPr id="1" name=""/>
+        <p:cNvGrpSpPr/>
+        <p:nvPr/>
+      </p:nvGrpSpPr>
+      <p:grpSpPr>
+        <a:xfrm>
+          <a:off x="0" y="0"/>
+          <a:ext cx="0" cy="0"/>
+          <a:chOff x="0" y="0"/>
+          <a:chExt cx="0" cy="0"/>
+        </a:xfrm>
+      </p:grpSpPr>
+      <p:grpSp>
+        <p:nvGrpSpPr>
+          <p:cNvPr id="28" name="Group 27">
+            <a:extLst>
+              <a:ext uri="{FF2B5EF4-FFF2-40B4-BE49-F238E27FC236}">
+                <a16:creationId xmlns:a16="http://schemas.microsoft.com/office/drawing/2014/main" id="{0420C3E7-C145-8785-4A1D-B38C6FFF7CD6}"/>
+              </a:ext>
+            </a:extLst>
+          </p:cNvPr>
+          <p:cNvGrpSpPr/>
+          <p:nvPr/>
+        </p:nvGrpSpPr>
+        <p:grpSpPr>
+          <a:xfrm>
+            <a:off x="744776" y="1641075"/>
+            <a:ext cx="4759896" cy="4942634"/>
+            <a:chOff x="993059" y="1550241"/>
+            <a:chExt cx="4759896" cy="4942634"/>
+          </a:xfrm>
+        </p:grpSpPr>
+        <p:pic>
+          <p:nvPicPr>
+            <p:cNvPr id="6" name="Picture 5">
+              <a:extLst>
+                <a:ext uri="{FF2B5EF4-FFF2-40B4-BE49-F238E27FC236}">
+                  <a16:creationId xmlns:a16="http://schemas.microsoft.com/office/drawing/2014/main" id="{51A189BB-13AA-CAB1-5E8F-194FBE34D958}"/>
+                </a:ext>
+              </a:extLst>
+            </p:cNvPr>
+            <p:cNvPicPr>
+              <a:picLocks noChangeAspect="1"/>
+            </p:cNvPicPr>
+            <p:nvPr/>
+          </p:nvPicPr>
+          <p:blipFill>
+            <a:blip r:embed="rId2"/>
+            <a:stretch>
+              <a:fillRect/>
+            </a:stretch>
+          </p:blipFill>
+          <p:spPr>
+            <a:xfrm>
+              <a:off x="993059" y="1550241"/>
+              <a:ext cx="4759896" cy="4942634"/>
+            </a:xfrm>
+            <a:prstGeom prst="rect">
+              <a:avLst/>
+            </a:prstGeom>
+            <a:ln w="28575">
+              <a:solidFill>
+                <a:schemeClr val="accent1"/>
+              </a:solidFill>
+            </a:ln>
+          </p:spPr>
+        </p:pic>
+        <p:sp>
+          <p:nvSpPr>
+            <p:cNvPr id="22" name="Rectangle 21">
+              <a:extLst>
+                <a:ext uri="{FF2B5EF4-FFF2-40B4-BE49-F238E27FC236}">
+                  <a16:creationId xmlns:a16="http://schemas.microsoft.com/office/drawing/2014/main" id="{4674CF01-9201-CDCF-F3D3-8BA2E3BA59AC}"/>
+                </a:ext>
+              </a:extLst>
+            </p:cNvPr>
+            <p:cNvSpPr/>
+            <p:nvPr/>
+          </p:nvSpPr>
+          <p:spPr>
+            <a:xfrm>
+              <a:off x="1211125" y="2881860"/>
+              <a:ext cx="1801153" cy="113142"/>
+            </a:xfrm>
+            <a:prstGeom prst="rect">
+              <a:avLst/>
+            </a:prstGeom>
+            <a:solidFill>
+              <a:schemeClr val="bg1"/>
+            </a:solidFill>
+            <a:ln>
+              <a:solidFill>
+                <a:schemeClr val="bg1"/>
+              </a:solidFill>
+            </a:ln>
+          </p:spPr>
+          <p:style>
+            <a:lnRef idx="2">
+              <a:schemeClr val="accent1">
+                <a:shade val="50000"/>
+              </a:schemeClr>
+            </a:lnRef>
+            <a:fillRef idx="1">
+              <a:schemeClr val="accent1"/>
+            </a:fillRef>
+            <a:effectRef idx="0">
+              <a:schemeClr val="accent1"/>
+            </a:effectRef>
+            <a:fontRef idx="minor">
+              <a:schemeClr val="lt1"/>
+            </a:fontRef>
+          </p:style>
+          <p:txBody>
+            <a:bodyPr rtlCol="0" anchor="ctr"/>
+            <a:lstStyle/>
+            <a:p>
+              <a:pPr algn="ctr"/>
+              <a:endParaRPr lang="en-GB"/>
+            </a:p>
+          </p:txBody>
+        </p:sp>
+        <p:sp>
+          <p:nvSpPr>
+            <p:cNvPr id="23" name="Rectangle 22">
+              <a:extLst>
+                <a:ext uri="{FF2B5EF4-FFF2-40B4-BE49-F238E27FC236}">
+                  <a16:creationId xmlns:a16="http://schemas.microsoft.com/office/drawing/2014/main" id="{77DE500C-524E-C7E5-1BCC-050E834AF3E6}"/>
+                </a:ext>
+              </a:extLst>
+            </p:cNvPr>
+            <p:cNvSpPr/>
+            <p:nvPr/>
+          </p:nvSpPr>
+          <p:spPr>
+            <a:xfrm>
+              <a:off x="1211124" y="3372429"/>
+              <a:ext cx="1801153" cy="113142"/>
+            </a:xfrm>
+            <a:prstGeom prst="rect">
+              <a:avLst/>
+            </a:prstGeom>
+            <a:solidFill>
+              <a:schemeClr val="bg1"/>
+            </a:solidFill>
+            <a:ln>
+              <a:solidFill>
+                <a:schemeClr val="bg1"/>
+              </a:solidFill>
+            </a:ln>
+          </p:spPr>
+          <p:style>
+            <a:lnRef idx="2">
+              <a:schemeClr val="accent1">
+                <a:shade val="50000"/>
+              </a:schemeClr>
+            </a:lnRef>
+            <a:fillRef idx="1">
+              <a:schemeClr val="accent1"/>
+            </a:fillRef>
+            <a:effectRef idx="0">
+              <a:schemeClr val="accent1"/>
+            </a:effectRef>
+            <a:fontRef idx="minor">
+              <a:schemeClr val="lt1"/>
+            </a:fontRef>
+          </p:style>
+          <p:txBody>
+            <a:bodyPr rtlCol="0" anchor="ctr"/>
+            <a:lstStyle/>
+            <a:p>
+              <a:pPr algn="ctr"/>
+              <a:endParaRPr lang="en-GB"/>
+            </a:p>
+          </p:txBody>
+        </p:sp>
+        <p:sp>
+          <p:nvSpPr>
+            <p:cNvPr id="24" name="Rectangle 23">
+              <a:extLst>
+                <a:ext uri="{FF2B5EF4-FFF2-40B4-BE49-F238E27FC236}">
+                  <a16:creationId xmlns:a16="http://schemas.microsoft.com/office/drawing/2014/main" id="{D06FCA53-2C57-1883-738F-2D48734630F2}"/>
+                </a:ext>
+              </a:extLst>
+            </p:cNvPr>
+            <p:cNvSpPr/>
+            <p:nvPr/>
+          </p:nvSpPr>
+          <p:spPr>
+            <a:xfrm>
+              <a:off x="1211123" y="3831866"/>
+              <a:ext cx="1801153" cy="113142"/>
+            </a:xfrm>
+            <a:prstGeom prst="rect">
+              <a:avLst/>
+            </a:prstGeom>
+            <a:solidFill>
+              <a:schemeClr val="bg1"/>
+            </a:solidFill>
+            <a:ln>
+              <a:solidFill>
+                <a:schemeClr val="bg1"/>
+              </a:solidFill>
+            </a:ln>
+          </p:spPr>
+          <p:style>
+            <a:lnRef idx="2">
+              <a:schemeClr val="accent1">
+                <a:shade val="50000"/>
+              </a:schemeClr>
+            </a:lnRef>
+            <a:fillRef idx="1">
+              <a:schemeClr val="accent1"/>
+            </a:fillRef>
+            <a:effectRef idx="0">
+              <a:schemeClr val="accent1"/>
+            </a:effectRef>
+            <a:fontRef idx="minor">
+              <a:schemeClr val="lt1"/>
+            </a:fontRef>
+          </p:style>
+          <p:txBody>
+            <a:bodyPr rtlCol="0" anchor="ctr"/>
+            <a:lstStyle/>
+            <a:p>
+              <a:pPr algn="ctr"/>
+              <a:endParaRPr lang="en-GB"/>
+            </a:p>
+          </p:txBody>
+        </p:sp>
+        <p:sp>
+          <p:nvSpPr>
+            <p:cNvPr id="25" name="Rectangle 24">
+              <a:extLst>
+                <a:ext uri="{FF2B5EF4-FFF2-40B4-BE49-F238E27FC236}">
+                  <a16:creationId xmlns:a16="http://schemas.microsoft.com/office/drawing/2014/main" id="{77F846BF-2CEF-FD77-BA1F-E8C28EF9004E}"/>
+                </a:ext>
+              </a:extLst>
+            </p:cNvPr>
+            <p:cNvSpPr/>
+            <p:nvPr/>
+          </p:nvSpPr>
+          <p:spPr>
+            <a:xfrm>
+              <a:off x="1211123" y="4291303"/>
+              <a:ext cx="1801153" cy="113142"/>
+            </a:xfrm>
+            <a:prstGeom prst="rect">
+              <a:avLst/>
+            </a:prstGeom>
+            <a:solidFill>
+              <a:schemeClr val="bg1"/>
+            </a:solidFill>
+            <a:ln>
+              <a:solidFill>
+                <a:schemeClr val="bg1"/>
+              </a:solidFill>
+            </a:ln>
+          </p:spPr>
+          <p:style>
+            <a:lnRef idx="2">
+              <a:schemeClr val="accent1">
+                <a:shade val="50000"/>
+              </a:schemeClr>
+            </a:lnRef>
+            <a:fillRef idx="1">
+              <a:schemeClr val="accent1"/>
+            </a:fillRef>
+            <a:effectRef idx="0">
+              <a:schemeClr val="accent1"/>
+            </a:effectRef>
+            <a:fontRef idx="minor">
+              <a:schemeClr val="lt1"/>
+            </a:fontRef>
+          </p:style>
+          <p:txBody>
+            <a:bodyPr rtlCol="0" anchor="ctr"/>
+            <a:lstStyle/>
+            <a:p>
+              <a:pPr algn="ctr"/>
+              <a:endParaRPr lang="en-GB"/>
+            </a:p>
+          </p:txBody>
+        </p:sp>
+        <p:sp>
+          <p:nvSpPr>
+            <p:cNvPr id="26" name="Rectangle 25">
+              <a:extLst>
+                <a:ext uri="{FF2B5EF4-FFF2-40B4-BE49-F238E27FC236}">
+                  <a16:creationId xmlns:a16="http://schemas.microsoft.com/office/drawing/2014/main" id="{78090247-4F9E-A8E9-3384-4D57417CB1E0}"/>
+                </a:ext>
+              </a:extLst>
+            </p:cNvPr>
+            <p:cNvSpPr/>
+            <p:nvPr/>
+          </p:nvSpPr>
+          <p:spPr>
+            <a:xfrm>
+              <a:off x="1211122" y="4807738"/>
+              <a:ext cx="1801153" cy="113142"/>
+            </a:xfrm>
+            <a:prstGeom prst="rect">
+              <a:avLst/>
+            </a:prstGeom>
+            <a:solidFill>
+              <a:schemeClr val="bg1"/>
+            </a:solidFill>
+            <a:ln>
+              <a:solidFill>
+                <a:schemeClr val="bg1"/>
+              </a:solidFill>
+            </a:ln>
+          </p:spPr>
+          <p:style>
+            <a:lnRef idx="2">
+              <a:schemeClr val="accent1">
+                <a:shade val="50000"/>
+              </a:schemeClr>
+            </a:lnRef>
+            <a:fillRef idx="1">
+              <a:schemeClr val="accent1"/>
+            </a:fillRef>
+            <a:effectRef idx="0">
+              <a:schemeClr val="accent1"/>
+            </a:effectRef>
+            <a:fontRef idx="minor">
+              <a:schemeClr val="lt1"/>
+            </a:fontRef>
+          </p:style>
+          <p:txBody>
+            <a:bodyPr rtlCol="0" anchor="ctr"/>
+            <a:lstStyle/>
+            <a:p>
+              <a:pPr algn="ctr"/>
+              <a:endParaRPr lang="en-GB"/>
+            </a:p>
+          </p:txBody>
+        </p:sp>
+        <p:sp>
+          <p:nvSpPr>
+            <p:cNvPr id="27" name="Rectangle 26">
+              <a:extLst>
+                <a:ext uri="{FF2B5EF4-FFF2-40B4-BE49-F238E27FC236}">
+                  <a16:creationId xmlns:a16="http://schemas.microsoft.com/office/drawing/2014/main" id="{23173567-0DB3-3D42-9F56-BC29403B44F6}"/>
+                </a:ext>
+              </a:extLst>
+            </p:cNvPr>
+            <p:cNvSpPr/>
+            <p:nvPr/>
+          </p:nvSpPr>
+          <p:spPr>
+            <a:xfrm>
+              <a:off x="1212467" y="5251188"/>
+              <a:ext cx="1801153" cy="113142"/>
+            </a:xfrm>
+            <a:prstGeom prst="rect">
+              <a:avLst/>
+            </a:prstGeom>
+            <a:solidFill>
+              <a:schemeClr val="bg1"/>
+            </a:solidFill>
+            <a:ln>
+              <a:solidFill>
+                <a:schemeClr val="bg1"/>
+              </a:solidFill>
+            </a:ln>
+          </p:spPr>
+          <p:style>
+            <a:lnRef idx="2">
+              <a:schemeClr val="accent1">
+                <a:shade val="50000"/>
+              </a:schemeClr>
+            </a:lnRef>
+            <a:fillRef idx="1">
+              <a:schemeClr val="accent1"/>
+            </a:fillRef>
+            <a:effectRef idx="0">
+              <a:schemeClr val="accent1"/>
+            </a:effectRef>
+            <a:fontRef idx="minor">
+              <a:schemeClr val="lt1"/>
+            </a:fontRef>
+          </p:style>
+          <p:txBody>
+            <a:bodyPr rtlCol="0" anchor="ctr"/>
+            <a:lstStyle/>
+            <a:p>
+              <a:pPr algn="ctr"/>
+              <a:endParaRPr lang="en-GB"/>
+            </a:p>
+          </p:txBody>
+        </p:sp>
+      </p:grpSp>
+      <p:sp>
+        <p:nvSpPr>
+          <p:cNvPr id="2" name="Title 1">
+            <a:extLst>
+              <a:ext uri="{FF2B5EF4-FFF2-40B4-BE49-F238E27FC236}">
+                <a16:creationId xmlns:a16="http://schemas.microsoft.com/office/drawing/2014/main" id="{BF299D57-3D69-B75F-836C-0E07B4843901}"/>
+              </a:ext>
+            </a:extLst>
+          </p:cNvPr>
+          <p:cNvSpPr>
+            <a:spLocks noGrp="1"/>
+          </p:cNvSpPr>
+          <p:nvPr>
+            <p:ph type="title"/>
           </p:nvPr>
         </p:nvSpPr>
         <p:spPr/>
@@ -9464,7 +10418,10 @@
           <a:bodyPr/>
           <a:lstStyle/>
           <a:p>
-            <a:endParaRPr lang="en-GB" dirty="0"/>
+            <a:r>
+              <a:rPr lang="en-GB" dirty="0"/>
+              <a:t>Example: British Imperial System (BIS)</a:t>
+            </a:r>
           </a:p>
         </p:txBody>
       </p:sp>
@@ -9491,26 +10448,1014 @@
           <a:p>
             <a:fld id="{EC23855D-19AD-48A2-81F2-A97A89722104}" type="slidenum">
               <a:rPr lang="en-GB" smtClean="0"/>
-              <a:t>10</a:t>
+              <a:t>11</a:t>
             </a:fld>
-            <a:endParaRPr lang="en-GB"/>
+            <a:endParaRPr lang="en-GB" dirty="0"/>
           </a:p>
         </p:txBody>
       </p:sp>
+      <p:pic>
+        <p:nvPicPr>
+          <p:cNvPr id="8" name="Picture 7">
+            <a:extLst>
+              <a:ext uri="{FF2B5EF4-FFF2-40B4-BE49-F238E27FC236}">
+                <a16:creationId xmlns:a16="http://schemas.microsoft.com/office/drawing/2014/main" id="{E5432254-E6D5-3E44-0B8B-7DEAF951FF13}"/>
+              </a:ext>
+            </a:extLst>
+          </p:cNvPr>
+          <p:cNvPicPr>
+            <a:picLocks noChangeAspect="1"/>
+          </p:cNvPicPr>
+          <p:nvPr/>
+        </p:nvPicPr>
+        <p:blipFill>
+          <a:blip r:embed="rId3"/>
+          <a:stretch>
+            <a:fillRect/>
+          </a:stretch>
+        </p:blipFill>
+        <p:spPr>
+          <a:xfrm>
+            <a:off x="6756972" y="2595035"/>
+            <a:ext cx="2973362" cy="3327983"/>
+          </a:xfrm>
+          <a:prstGeom prst="rect">
+            <a:avLst/>
+          </a:prstGeom>
+          <a:ln w="28575">
+            <a:solidFill>
+              <a:schemeClr val="accent1"/>
+            </a:solidFill>
+          </a:ln>
+        </p:spPr>
+      </p:pic>
+      <p:grpSp>
+        <p:nvGrpSpPr>
+          <p:cNvPr id="31" name="Group 30">
+            <a:extLst>
+              <a:ext uri="{FF2B5EF4-FFF2-40B4-BE49-F238E27FC236}">
+                <a16:creationId xmlns:a16="http://schemas.microsoft.com/office/drawing/2014/main" id="{257C5F40-1E33-A03A-14DA-9CD0E61128D7}"/>
+              </a:ext>
+            </a:extLst>
+          </p:cNvPr>
+          <p:cNvGrpSpPr/>
+          <p:nvPr/>
+        </p:nvGrpSpPr>
+        <p:grpSpPr>
+          <a:xfrm>
+            <a:off x="4500753" y="2022580"/>
+            <a:ext cx="1751839" cy="635841"/>
+            <a:chOff x="4749036" y="1931746"/>
+            <a:chExt cx="1751839" cy="635841"/>
+          </a:xfrm>
+        </p:grpSpPr>
+        <p:sp>
+          <p:nvSpPr>
+            <p:cNvPr id="11" name="Right Brace 10">
+              <a:extLst>
+                <a:ext uri="{FF2B5EF4-FFF2-40B4-BE49-F238E27FC236}">
+                  <a16:creationId xmlns:a16="http://schemas.microsoft.com/office/drawing/2014/main" id="{131BC921-8D89-3CBB-757E-75CD246AFC6B}"/>
+                </a:ext>
+              </a:extLst>
+            </p:cNvPr>
+            <p:cNvSpPr/>
+            <p:nvPr/>
+          </p:nvSpPr>
+          <p:spPr>
+            <a:xfrm>
+              <a:off x="4749036" y="1931746"/>
+              <a:ext cx="131797" cy="635841"/>
+            </a:xfrm>
+            <a:prstGeom prst="rightBrace">
+              <a:avLst/>
+            </a:prstGeom>
+            <a:ln w="19050">
+              <a:solidFill>
+                <a:srgbClr val="CF122D"/>
+              </a:solidFill>
+            </a:ln>
+          </p:spPr>
+          <p:style>
+            <a:lnRef idx="1">
+              <a:schemeClr val="accent1"/>
+            </a:lnRef>
+            <a:fillRef idx="0">
+              <a:schemeClr val="accent1"/>
+            </a:fillRef>
+            <a:effectRef idx="0">
+              <a:schemeClr val="accent1"/>
+            </a:effectRef>
+            <a:fontRef idx="minor">
+              <a:schemeClr val="tx1"/>
+            </a:fontRef>
+          </p:style>
+          <p:txBody>
+            <a:bodyPr rtlCol="0" anchor="ctr"/>
+            <a:lstStyle/>
+            <a:p>
+              <a:pPr algn="ctr"/>
+              <a:endParaRPr lang="en-GB"/>
+            </a:p>
+          </p:txBody>
+        </p:sp>
+        <p:sp>
+          <p:nvSpPr>
+            <p:cNvPr id="12" name="TextBox 11">
+              <a:extLst>
+                <a:ext uri="{FF2B5EF4-FFF2-40B4-BE49-F238E27FC236}">
+                  <a16:creationId xmlns:a16="http://schemas.microsoft.com/office/drawing/2014/main" id="{DE18AE8A-3033-58A3-4AEC-A19CB64D66FB}"/>
+                </a:ext>
+              </a:extLst>
+            </p:cNvPr>
+            <p:cNvSpPr txBox="1"/>
+            <p:nvPr/>
+          </p:nvSpPr>
+          <p:spPr>
+            <a:xfrm>
+              <a:off x="4877967" y="2095777"/>
+              <a:ext cx="1622908" cy="307777"/>
+            </a:xfrm>
+            <a:prstGeom prst="rect">
+              <a:avLst/>
+            </a:prstGeom>
+            <a:solidFill>
+              <a:schemeClr val="bg1"/>
+            </a:solidFill>
+            <a:ln w="19050">
+              <a:solidFill>
+                <a:srgbClr val="CF122D"/>
+              </a:solidFill>
+            </a:ln>
+          </p:spPr>
+          <p:txBody>
+            <a:bodyPr wrap="square" rtlCol="0">
+              <a:spAutoFit/>
+            </a:bodyPr>
+            <a:lstStyle/>
+            <a:p>
+              <a:pPr algn="ctr"/>
+              <a:r>
+                <a:rPr lang="en-GB" sz="1400" dirty="0"/>
+                <a:t>Conversion Schema</a:t>
+              </a:r>
+            </a:p>
+          </p:txBody>
+        </p:sp>
+      </p:grpSp>
+      <p:grpSp>
+        <p:nvGrpSpPr>
+          <p:cNvPr id="30" name="Group 29">
+            <a:extLst>
+              <a:ext uri="{FF2B5EF4-FFF2-40B4-BE49-F238E27FC236}">
+                <a16:creationId xmlns:a16="http://schemas.microsoft.com/office/drawing/2014/main" id="{82EEA328-3168-B8B5-FBEF-9005EE5E18E4}"/>
+              </a:ext>
+            </a:extLst>
+          </p:cNvPr>
+          <p:cNvGrpSpPr/>
+          <p:nvPr/>
+        </p:nvGrpSpPr>
+        <p:grpSpPr>
+          <a:xfrm>
+            <a:off x="3386994" y="2918814"/>
+            <a:ext cx="2638355" cy="2791644"/>
+            <a:chOff x="3635277" y="2827980"/>
+            <a:chExt cx="2638355" cy="2791644"/>
+          </a:xfrm>
+        </p:grpSpPr>
+        <p:sp>
+          <p:nvSpPr>
+            <p:cNvPr id="13" name="Right Brace 12">
+              <a:extLst>
+                <a:ext uri="{FF2B5EF4-FFF2-40B4-BE49-F238E27FC236}">
+                  <a16:creationId xmlns:a16="http://schemas.microsoft.com/office/drawing/2014/main" id="{03200937-A75A-FF6A-ACB4-9200931999F9}"/>
+                </a:ext>
+              </a:extLst>
+            </p:cNvPr>
+            <p:cNvSpPr/>
+            <p:nvPr/>
+          </p:nvSpPr>
+          <p:spPr>
+            <a:xfrm>
+              <a:off x="3635277" y="2827980"/>
+              <a:ext cx="344120" cy="2791644"/>
+            </a:xfrm>
+            <a:prstGeom prst="rightBrace">
+              <a:avLst/>
+            </a:prstGeom>
+            <a:ln w="19050">
+              <a:solidFill>
+                <a:srgbClr val="CF122D"/>
+              </a:solidFill>
+            </a:ln>
+          </p:spPr>
+          <p:style>
+            <a:lnRef idx="1">
+              <a:schemeClr val="accent1"/>
+            </a:lnRef>
+            <a:fillRef idx="0">
+              <a:schemeClr val="accent1"/>
+            </a:fillRef>
+            <a:effectRef idx="0">
+              <a:schemeClr val="accent1"/>
+            </a:effectRef>
+            <a:fontRef idx="minor">
+              <a:schemeClr val="tx1"/>
+            </a:fontRef>
+          </p:style>
+          <p:txBody>
+            <a:bodyPr rtlCol="0" anchor="ctr"/>
+            <a:lstStyle/>
+            <a:p>
+              <a:pPr algn="ctr"/>
+              <a:endParaRPr lang="en-GB"/>
+            </a:p>
+          </p:txBody>
+        </p:sp>
+        <p:sp>
+          <p:nvSpPr>
+            <p:cNvPr id="14" name="TextBox 13">
+              <a:extLst>
+                <a:ext uri="{FF2B5EF4-FFF2-40B4-BE49-F238E27FC236}">
+                  <a16:creationId xmlns:a16="http://schemas.microsoft.com/office/drawing/2014/main" id="{93A452AD-362B-209B-6EFF-E96187606492}"/>
+                </a:ext>
+              </a:extLst>
+            </p:cNvPr>
+            <p:cNvSpPr txBox="1"/>
+            <p:nvPr/>
+          </p:nvSpPr>
+          <p:spPr>
+            <a:xfrm>
+              <a:off x="3979397" y="4052209"/>
+              <a:ext cx="2294235" cy="307777"/>
+            </a:xfrm>
+            <a:prstGeom prst="rect">
+              <a:avLst/>
+            </a:prstGeom>
+            <a:solidFill>
+              <a:schemeClr val="bg1"/>
+            </a:solidFill>
+            <a:ln w="19050">
+              <a:solidFill>
+                <a:srgbClr val="CF122D"/>
+              </a:solidFill>
+            </a:ln>
+          </p:spPr>
+          <p:txBody>
+            <a:bodyPr wrap="square" rtlCol="0">
+              <a:spAutoFit/>
+            </a:bodyPr>
+            <a:lstStyle/>
+            <a:p>
+              <a:pPr algn="ctr"/>
+              <a:r>
+                <a:rPr lang="en-GB" sz="1400" dirty="0"/>
+                <a:t>Measurement System Types</a:t>
+              </a:r>
+            </a:p>
+          </p:txBody>
+        </p:sp>
+      </p:grpSp>
+      <p:grpSp>
+        <p:nvGrpSpPr>
+          <p:cNvPr id="29" name="Group 28">
+            <a:extLst>
+              <a:ext uri="{FF2B5EF4-FFF2-40B4-BE49-F238E27FC236}">
+                <a16:creationId xmlns:a16="http://schemas.microsoft.com/office/drawing/2014/main" id="{07C57873-A2D2-D0FE-D0BD-F3A3B2D4E084}"/>
+              </a:ext>
+            </a:extLst>
+          </p:cNvPr>
+          <p:cNvGrpSpPr/>
+          <p:nvPr/>
+        </p:nvGrpSpPr>
+        <p:grpSpPr>
+          <a:xfrm>
+            <a:off x="4838444" y="5946859"/>
+            <a:ext cx="2064969" cy="636850"/>
+            <a:chOff x="5086727" y="5856025"/>
+            <a:chExt cx="2064969" cy="636850"/>
+          </a:xfrm>
+        </p:grpSpPr>
+        <p:sp>
+          <p:nvSpPr>
+            <p:cNvPr id="15" name="Right Brace 14">
+              <a:extLst>
+                <a:ext uri="{FF2B5EF4-FFF2-40B4-BE49-F238E27FC236}">
+                  <a16:creationId xmlns:a16="http://schemas.microsoft.com/office/drawing/2014/main" id="{C9559FEB-6990-85F3-DCBD-4982B7BA9641}"/>
+                </a:ext>
+              </a:extLst>
+            </p:cNvPr>
+            <p:cNvSpPr/>
+            <p:nvPr/>
+          </p:nvSpPr>
+          <p:spPr>
+            <a:xfrm>
+              <a:off x="5086727" y="5856025"/>
+              <a:ext cx="195918" cy="636850"/>
+            </a:xfrm>
+            <a:prstGeom prst="rightBrace">
+              <a:avLst/>
+            </a:prstGeom>
+            <a:ln w="19050">
+              <a:solidFill>
+                <a:srgbClr val="CF122D"/>
+              </a:solidFill>
+            </a:ln>
+          </p:spPr>
+          <p:style>
+            <a:lnRef idx="1">
+              <a:schemeClr val="accent1"/>
+            </a:lnRef>
+            <a:fillRef idx="0">
+              <a:schemeClr val="accent1"/>
+            </a:fillRef>
+            <a:effectRef idx="0">
+              <a:schemeClr val="accent1"/>
+            </a:effectRef>
+            <a:fontRef idx="minor">
+              <a:schemeClr val="tx1"/>
+            </a:fontRef>
+          </p:style>
+          <p:txBody>
+            <a:bodyPr rtlCol="0" anchor="ctr"/>
+            <a:lstStyle/>
+            <a:p>
+              <a:pPr algn="ctr"/>
+              <a:endParaRPr lang="en-GB"/>
+            </a:p>
+          </p:txBody>
+        </p:sp>
+        <p:sp>
+          <p:nvSpPr>
+            <p:cNvPr id="16" name="TextBox 15">
+              <a:extLst>
+                <a:ext uri="{FF2B5EF4-FFF2-40B4-BE49-F238E27FC236}">
+                  <a16:creationId xmlns:a16="http://schemas.microsoft.com/office/drawing/2014/main" id="{8C4BFDE0-2683-4FBD-F102-C88E7C2EC691}"/>
+                </a:ext>
+              </a:extLst>
+            </p:cNvPr>
+            <p:cNvSpPr txBox="1"/>
+            <p:nvPr/>
+          </p:nvSpPr>
+          <p:spPr>
+            <a:xfrm>
+              <a:off x="5286364" y="6008641"/>
+              <a:ext cx="1865332" cy="307777"/>
+            </a:xfrm>
+            <a:prstGeom prst="rect">
+              <a:avLst/>
+            </a:prstGeom>
+            <a:solidFill>
+              <a:schemeClr val="bg1"/>
+            </a:solidFill>
+            <a:ln w="19050">
+              <a:solidFill>
+                <a:srgbClr val="CF122D"/>
+              </a:solidFill>
+            </a:ln>
+          </p:spPr>
+          <p:txBody>
+            <a:bodyPr wrap="square" rtlCol="0">
+              <a:spAutoFit/>
+            </a:bodyPr>
+            <a:lstStyle/>
+            <a:p>
+              <a:pPr algn="ctr"/>
+              <a:r>
+                <a:rPr lang="en-GB" sz="1400" dirty="0"/>
+                <a:t>Measurement System</a:t>
+              </a:r>
+            </a:p>
+          </p:txBody>
+        </p:sp>
+      </p:grpSp>
+      <p:grpSp>
+        <p:nvGrpSpPr>
+          <p:cNvPr id="33" name="Group 32">
+            <a:extLst>
+              <a:ext uri="{FF2B5EF4-FFF2-40B4-BE49-F238E27FC236}">
+                <a16:creationId xmlns:a16="http://schemas.microsoft.com/office/drawing/2014/main" id="{58AF93EF-9BC7-D7BB-751F-0A0CB5DDC0E8}"/>
+              </a:ext>
+            </a:extLst>
+          </p:cNvPr>
+          <p:cNvGrpSpPr/>
+          <p:nvPr/>
+        </p:nvGrpSpPr>
+        <p:grpSpPr>
+          <a:xfrm>
+            <a:off x="9231768" y="3253713"/>
+            <a:ext cx="2627434" cy="2655390"/>
+            <a:chOff x="9159103" y="2208919"/>
+            <a:chExt cx="2627434" cy="2655390"/>
+          </a:xfrm>
+        </p:grpSpPr>
+        <p:sp>
+          <p:nvSpPr>
+            <p:cNvPr id="19" name="Right Brace 18">
+              <a:extLst>
+                <a:ext uri="{FF2B5EF4-FFF2-40B4-BE49-F238E27FC236}">
+                  <a16:creationId xmlns:a16="http://schemas.microsoft.com/office/drawing/2014/main" id="{F1F58786-7A46-3119-565E-A15DD1D00A6F}"/>
+                </a:ext>
+              </a:extLst>
+            </p:cNvPr>
+            <p:cNvSpPr/>
+            <p:nvPr/>
+          </p:nvSpPr>
+          <p:spPr>
+            <a:xfrm>
+              <a:off x="9159103" y="2208919"/>
+              <a:ext cx="344120" cy="2655390"/>
+            </a:xfrm>
+            <a:prstGeom prst="rightBrace">
+              <a:avLst/>
+            </a:prstGeom>
+            <a:ln w="19050">
+              <a:solidFill>
+                <a:srgbClr val="CF122D"/>
+              </a:solidFill>
+            </a:ln>
+          </p:spPr>
+          <p:style>
+            <a:lnRef idx="1">
+              <a:schemeClr val="accent1"/>
+            </a:lnRef>
+            <a:fillRef idx="0">
+              <a:schemeClr val="accent1"/>
+            </a:fillRef>
+            <a:effectRef idx="0">
+              <a:schemeClr val="accent1"/>
+            </a:effectRef>
+            <a:fontRef idx="minor">
+              <a:schemeClr val="tx1"/>
+            </a:fontRef>
+          </p:style>
+          <p:txBody>
+            <a:bodyPr rtlCol="0" anchor="ctr"/>
+            <a:lstStyle/>
+            <a:p>
+              <a:pPr algn="ctr"/>
+              <a:endParaRPr lang="en-GB"/>
+            </a:p>
+          </p:txBody>
+        </p:sp>
+        <p:sp>
+          <p:nvSpPr>
+            <p:cNvPr id="20" name="TextBox 19">
+              <a:extLst>
+                <a:ext uri="{FF2B5EF4-FFF2-40B4-BE49-F238E27FC236}">
+                  <a16:creationId xmlns:a16="http://schemas.microsoft.com/office/drawing/2014/main" id="{05F62861-234E-1F4C-D49A-3833DFDFA8E3}"/>
+                </a:ext>
+              </a:extLst>
+            </p:cNvPr>
+            <p:cNvSpPr txBox="1"/>
+            <p:nvPr/>
+          </p:nvSpPr>
+          <p:spPr>
+            <a:xfrm>
+              <a:off x="9506830" y="3382725"/>
+              <a:ext cx="2279707" cy="307777"/>
+            </a:xfrm>
+            <a:prstGeom prst="rect">
+              <a:avLst/>
+            </a:prstGeom>
+            <a:solidFill>
+              <a:schemeClr val="bg1"/>
+            </a:solidFill>
+            <a:ln w="19050">
+              <a:solidFill>
+                <a:srgbClr val="CF122D"/>
+              </a:solidFill>
+            </a:ln>
+          </p:spPr>
+          <p:txBody>
+            <a:bodyPr wrap="square" rtlCol="0">
+              <a:spAutoFit/>
+            </a:bodyPr>
+            <a:lstStyle/>
+            <a:p>
+              <a:pPr algn="ctr"/>
+              <a:r>
+                <a:rPr lang="en-GB" sz="1400" dirty="0"/>
+                <a:t>Scaling Functions</a:t>
+              </a:r>
+            </a:p>
+          </p:txBody>
+        </p:sp>
+      </p:grpSp>
+      <p:grpSp>
+        <p:nvGrpSpPr>
+          <p:cNvPr id="32" name="Group 31">
+            <a:extLst>
+              <a:ext uri="{FF2B5EF4-FFF2-40B4-BE49-F238E27FC236}">
+                <a16:creationId xmlns:a16="http://schemas.microsoft.com/office/drawing/2014/main" id="{14ACC5CA-3DAA-F77F-054A-B838F14BEACA}"/>
+              </a:ext>
+            </a:extLst>
+          </p:cNvPr>
+          <p:cNvGrpSpPr/>
+          <p:nvPr/>
+        </p:nvGrpSpPr>
+        <p:grpSpPr>
+          <a:xfrm>
+            <a:off x="9575888" y="2626087"/>
+            <a:ext cx="2480550" cy="350454"/>
+            <a:chOff x="9503223" y="1581293"/>
+            <a:chExt cx="2480550" cy="350454"/>
+          </a:xfrm>
+        </p:grpSpPr>
+        <p:sp>
+          <p:nvSpPr>
+            <p:cNvPr id="18" name="TextBox 17">
+              <a:extLst>
+                <a:ext uri="{FF2B5EF4-FFF2-40B4-BE49-F238E27FC236}">
+                  <a16:creationId xmlns:a16="http://schemas.microsoft.com/office/drawing/2014/main" id="{71236EAA-CE85-22F1-FAE0-FF1683B374CC}"/>
+                </a:ext>
+              </a:extLst>
+            </p:cNvPr>
+            <p:cNvSpPr txBox="1"/>
+            <p:nvPr/>
+          </p:nvSpPr>
+          <p:spPr>
+            <a:xfrm>
+              <a:off x="9704066" y="1581293"/>
+              <a:ext cx="2279707" cy="307777"/>
+            </a:xfrm>
+            <a:prstGeom prst="rect">
+              <a:avLst/>
+            </a:prstGeom>
+            <a:solidFill>
+              <a:schemeClr val="bg1"/>
+            </a:solidFill>
+            <a:ln w="19050">
+              <a:solidFill>
+                <a:srgbClr val="CF122D"/>
+              </a:solidFill>
+            </a:ln>
+          </p:spPr>
+          <p:txBody>
+            <a:bodyPr wrap="square" rtlCol="0">
+              <a:spAutoFit/>
+            </a:bodyPr>
+            <a:lstStyle/>
+            <a:p>
+              <a:pPr algn="ctr"/>
+              <a:r>
+                <a:rPr lang="en-GB" sz="1400" dirty="0"/>
+                <a:t>General Conversion Function</a:t>
+              </a:r>
+            </a:p>
+          </p:txBody>
+        </p:sp>
+        <p:sp>
+          <p:nvSpPr>
+            <p:cNvPr id="21" name="Right Brace 20">
+              <a:extLst>
+                <a:ext uri="{FF2B5EF4-FFF2-40B4-BE49-F238E27FC236}">
+                  <a16:creationId xmlns:a16="http://schemas.microsoft.com/office/drawing/2014/main" id="{793DE644-AD39-85F8-F06F-B09BFFF00C15}"/>
+                </a:ext>
+              </a:extLst>
+            </p:cNvPr>
+            <p:cNvSpPr/>
+            <p:nvPr/>
+          </p:nvSpPr>
+          <p:spPr>
+            <a:xfrm>
+              <a:off x="9503223" y="1581293"/>
+              <a:ext cx="200842" cy="350454"/>
+            </a:xfrm>
+            <a:prstGeom prst="rightBrace">
+              <a:avLst/>
+            </a:prstGeom>
+            <a:ln w="19050">
+              <a:solidFill>
+                <a:srgbClr val="CF122D"/>
+              </a:solidFill>
+            </a:ln>
+          </p:spPr>
+          <p:style>
+            <a:lnRef idx="1">
+              <a:schemeClr val="accent1"/>
+            </a:lnRef>
+            <a:fillRef idx="0">
+              <a:schemeClr val="accent1"/>
+            </a:fillRef>
+            <a:effectRef idx="0">
+              <a:schemeClr val="accent1"/>
+            </a:effectRef>
+            <a:fontRef idx="minor">
+              <a:schemeClr val="tx1"/>
+            </a:fontRef>
+          </p:style>
+          <p:txBody>
+            <a:bodyPr rtlCol="0" anchor="ctr"/>
+            <a:lstStyle/>
+            <a:p>
+              <a:pPr algn="ctr"/>
+              <a:endParaRPr lang="en-GB"/>
+            </a:p>
+          </p:txBody>
+        </p:sp>
+      </p:grpSp>
+      <p:cxnSp>
+        <p:nvCxnSpPr>
+          <p:cNvPr id="34" name="Straight Connector 33">
+            <a:extLst>
+              <a:ext uri="{FF2B5EF4-FFF2-40B4-BE49-F238E27FC236}">
+                <a16:creationId xmlns:a16="http://schemas.microsoft.com/office/drawing/2014/main" id="{3FD58590-7FA6-D7D6-04B5-F4BF10CDA50B}"/>
+              </a:ext>
+            </a:extLst>
+          </p:cNvPr>
+          <p:cNvCxnSpPr>
+            <a:cxnSpLocks/>
+          </p:cNvCxnSpPr>
+          <p:nvPr/>
+        </p:nvCxnSpPr>
+        <p:spPr>
+          <a:xfrm>
+            <a:off x="922421" y="1368157"/>
+            <a:ext cx="3282215" cy="0"/>
+          </a:xfrm>
+          <a:prstGeom prst="line">
+            <a:avLst/>
+          </a:prstGeom>
+          <a:ln w="19050">
+            <a:solidFill>
+              <a:srgbClr val="195DA9"/>
+            </a:solidFill>
+          </a:ln>
+        </p:spPr>
+        <p:style>
+          <a:lnRef idx="1">
+            <a:schemeClr val="accent1"/>
+          </a:lnRef>
+          <a:fillRef idx="0">
+            <a:schemeClr val="accent1"/>
+          </a:fillRef>
+          <a:effectRef idx="0">
+            <a:schemeClr val="accent1"/>
+          </a:effectRef>
+          <a:fontRef idx="minor">
+            <a:schemeClr val="tx1"/>
+          </a:fontRef>
+        </p:style>
+      </p:cxnSp>
     </p:spTree>
     <p:extLst>
       <p:ext uri="{BB962C8B-B14F-4D97-AF65-F5344CB8AC3E}">
-        <p14:creationId xmlns:p14="http://schemas.microsoft.com/office/powerpoint/2010/main" val="1728212061"/>
+        <p14:creationId xmlns:p14="http://schemas.microsoft.com/office/powerpoint/2010/main" val="2783726219"/>
       </p:ext>
     </p:extLst>
   </p:cSld>
   <p:clrMapOvr>
     <a:masterClrMapping/>
   </p:clrMapOvr>
+  <p:timing>
+    <p:tnLst>
+      <p:par>
+        <p:cTn id="1" dur="indefinite" restart="never" nodeType="tmRoot">
+          <p:childTnLst>
+            <p:seq concurrent="1" nextAc="seek">
+              <p:cTn id="2" dur="indefinite" nodeType="mainSeq">
+                <p:childTnLst>
+                  <p:par>
+                    <p:cTn id="3" fill="hold">
+                      <p:stCondLst>
+                        <p:cond delay="indefinite"/>
+                      </p:stCondLst>
+                      <p:childTnLst>
+                        <p:par>
+                          <p:cTn id="4" fill="hold">
+                            <p:stCondLst>
+                              <p:cond delay="0"/>
+                            </p:stCondLst>
+                            <p:childTnLst>
+                              <p:par>
+                                <p:cTn id="5" presetID="1" presetClass="entr" presetSubtype="0" fill="hold" nodeType="clickEffect">
+                                  <p:stCondLst>
+                                    <p:cond delay="0"/>
+                                  </p:stCondLst>
+                                  <p:childTnLst>
+                                    <p:set>
+                                      <p:cBhvr>
+                                        <p:cTn id="6" dur="1" fill="hold">
+                                          <p:stCondLst>
+                                            <p:cond delay="0"/>
+                                          </p:stCondLst>
+                                        </p:cTn>
+                                        <p:tgtEl>
+                                          <p:spTgt spid="28"/>
+                                        </p:tgtEl>
+                                        <p:attrNameLst>
+                                          <p:attrName>style.visibility</p:attrName>
+                                        </p:attrNameLst>
+                                      </p:cBhvr>
+                                      <p:to>
+                                        <p:strVal val="visible"/>
+                                      </p:to>
+                                    </p:set>
+                                  </p:childTnLst>
+                                </p:cTn>
+                              </p:par>
+                            </p:childTnLst>
+                          </p:cTn>
+                        </p:par>
+                      </p:childTnLst>
+                    </p:cTn>
+                  </p:par>
+                  <p:par>
+                    <p:cTn id="7" fill="hold">
+                      <p:stCondLst>
+                        <p:cond delay="indefinite"/>
+                      </p:stCondLst>
+                      <p:childTnLst>
+                        <p:par>
+                          <p:cTn id="8" fill="hold">
+                            <p:stCondLst>
+                              <p:cond delay="0"/>
+                            </p:stCondLst>
+                            <p:childTnLst>
+                              <p:par>
+                                <p:cTn id="9" presetID="1" presetClass="entr" presetSubtype="0" fill="hold" nodeType="clickEffect">
+                                  <p:stCondLst>
+                                    <p:cond delay="0"/>
+                                  </p:stCondLst>
+                                  <p:childTnLst>
+                                    <p:set>
+                                      <p:cBhvr>
+                                        <p:cTn id="10" dur="1" fill="hold">
+                                          <p:stCondLst>
+                                            <p:cond delay="0"/>
+                                          </p:stCondLst>
+                                        </p:cTn>
+                                        <p:tgtEl>
+                                          <p:spTgt spid="31"/>
+                                        </p:tgtEl>
+                                        <p:attrNameLst>
+                                          <p:attrName>style.visibility</p:attrName>
+                                        </p:attrNameLst>
+                                      </p:cBhvr>
+                                      <p:to>
+                                        <p:strVal val="visible"/>
+                                      </p:to>
+                                    </p:set>
+                                  </p:childTnLst>
+                                </p:cTn>
+                              </p:par>
+                            </p:childTnLst>
+                          </p:cTn>
+                        </p:par>
+                      </p:childTnLst>
+                    </p:cTn>
+                  </p:par>
+                  <p:par>
+                    <p:cTn id="11" fill="hold">
+                      <p:stCondLst>
+                        <p:cond delay="indefinite"/>
+                      </p:stCondLst>
+                      <p:childTnLst>
+                        <p:par>
+                          <p:cTn id="12" fill="hold">
+                            <p:stCondLst>
+                              <p:cond delay="0"/>
+                            </p:stCondLst>
+                            <p:childTnLst>
+                              <p:par>
+                                <p:cTn id="13" presetID="1" presetClass="entr" presetSubtype="0" fill="hold" nodeType="clickEffect">
+                                  <p:stCondLst>
+                                    <p:cond delay="0"/>
+                                  </p:stCondLst>
+                                  <p:childTnLst>
+                                    <p:set>
+                                      <p:cBhvr>
+                                        <p:cTn id="14" dur="1" fill="hold">
+                                          <p:stCondLst>
+                                            <p:cond delay="0"/>
+                                          </p:stCondLst>
+                                        </p:cTn>
+                                        <p:tgtEl>
+                                          <p:spTgt spid="30"/>
+                                        </p:tgtEl>
+                                        <p:attrNameLst>
+                                          <p:attrName>style.visibility</p:attrName>
+                                        </p:attrNameLst>
+                                      </p:cBhvr>
+                                      <p:to>
+                                        <p:strVal val="visible"/>
+                                      </p:to>
+                                    </p:set>
+                                  </p:childTnLst>
+                                </p:cTn>
+                              </p:par>
+                            </p:childTnLst>
+                          </p:cTn>
+                        </p:par>
+                      </p:childTnLst>
+                    </p:cTn>
+                  </p:par>
+                  <p:par>
+                    <p:cTn id="15" fill="hold">
+                      <p:stCondLst>
+                        <p:cond delay="indefinite"/>
+                      </p:stCondLst>
+                      <p:childTnLst>
+                        <p:par>
+                          <p:cTn id="16" fill="hold">
+                            <p:stCondLst>
+                              <p:cond delay="0"/>
+                            </p:stCondLst>
+                            <p:childTnLst>
+                              <p:par>
+                                <p:cTn id="17" presetID="1" presetClass="entr" presetSubtype="0" fill="hold" nodeType="clickEffect">
+                                  <p:stCondLst>
+                                    <p:cond delay="0"/>
+                                  </p:stCondLst>
+                                  <p:childTnLst>
+                                    <p:set>
+                                      <p:cBhvr>
+                                        <p:cTn id="18" dur="1" fill="hold">
+                                          <p:stCondLst>
+                                            <p:cond delay="0"/>
+                                          </p:stCondLst>
+                                        </p:cTn>
+                                        <p:tgtEl>
+                                          <p:spTgt spid="29"/>
+                                        </p:tgtEl>
+                                        <p:attrNameLst>
+                                          <p:attrName>style.visibility</p:attrName>
+                                        </p:attrNameLst>
+                                      </p:cBhvr>
+                                      <p:to>
+                                        <p:strVal val="visible"/>
+                                      </p:to>
+                                    </p:set>
+                                  </p:childTnLst>
+                                </p:cTn>
+                              </p:par>
+                            </p:childTnLst>
+                          </p:cTn>
+                        </p:par>
+                      </p:childTnLst>
+                    </p:cTn>
+                  </p:par>
+                  <p:par>
+                    <p:cTn id="19" fill="hold">
+                      <p:stCondLst>
+                        <p:cond delay="indefinite"/>
+                      </p:stCondLst>
+                      <p:childTnLst>
+                        <p:par>
+                          <p:cTn id="20" fill="hold">
+                            <p:stCondLst>
+                              <p:cond delay="0"/>
+                            </p:stCondLst>
+                            <p:childTnLst>
+                              <p:par>
+                                <p:cTn id="21" presetID="1" presetClass="entr" presetSubtype="0" fill="hold" nodeType="clickEffect">
+                                  <p:stCondLst>
+                                    <p:cond delay="0"/>
+                                  </p:stCondLst>
+                                  <p:childTnLst>
+                                    <p:set>
+                                      <p:cBhvr>
+                                        <p:cTn id="22" dur="1" fill="hold">
+                                          <p:stCondLst>
+                                            <p:cond delay="0"/>
+                                          </p:stCondLst>
+                                        </p:cTn>
+                                        <p:tgtEl>
+                                          <p:spTgt spid="8"/>
+                                        </p:tgtEl>
+                                        <p:attrNameLst>
+                                          <p:attrName>style.visibility</p:attrName>
+                                        </p:attrNameLst>
+                                      </p:cBhvr>
+                                      <p:to>
+                                        <p:strVal val="visible"/>
+                                      </p:to>
+                                    </p:set>
+                                  </p:childTnLst>
+                                </p:cTn>
+                              </p:par>
+                            </p:childTnLst>
+                          </p:cTn>
+                        </p:par>
+                      </p:childTnLst>
+                    </p:cTn>
+                  </p:par>
+                  <p:par>
+                    <p:cTn id="23" fill="hold">
+                      <p:stCondLst>
+                        <p:cond delay="indefinite"/>
+                      </p:stCondLst>
+                      <p:childTnLst>
+                        <p:par>
+                          <p:cTn id="24" fill="hold">
+                            <p:stCondLst>
+                              <p:cond delay="0"/>
+                            </p:stCondLst>
+                            <p:childTnLst>
+                              <p:par>
+                                <p:cTn id="25" presetID="1" presetClass="entr" presetSubtype="0" fill="hold" nodeType="clickEffect">
+                                  <p:stCondLst>
+                                    <p:cond delay="0"/>
+                                  </p:stCondLst>
+                                  <p:childTnLst>
+                                    <p:set>
+                                      <p:cBhvr>
+                                        <p:cTn id="26" dur="1" fill="hold">
+                                          <p:stCondLst>
+                                            <p:cond delay="0"/>
+                                          </p:stCondLst>
+                                        </p:cTn>
+                                        <p:tgtEl>
+                                          <p:spTgt spid="32"/>
+                                        </p:tgtEl>
+                                        <p:attrNameLst>
+                                          <p:attrName>style.visibility</p:attrName>
+                                        </p:attrNameLst>
+                                      </p:cBhvr>
+                                      <p:to>
+                                        <p:strVal val="visible"/>
+                                      </p:to>
+                                    </p:set>
+                                  </p:childTnLst>
+                                </p:cTn>
+                              </p:par>
+                            </p:childTnLst>
+                          </p:cTn>
+                        </p:par>
+                      </p:childTnLst>
+                    </p:cTn>
+                  </p:par>
+                  <p:par>
+                    <p:cTn id="27" fill="hold">
+                      <p:stCondLst>
+                        <p:cond delay="indefinite"/>
+                      </p:stCondLst>
+                      <p:childTnLst>
+                        <p:par>
+                          <p:cTn id="28" fill="hold">
+                            <p:stCondLst>
+                              <p:cond delay="0"/>
+                            </p:stCondLst>
+                            <p:childTnLst>
+                              <p:par>
+                                <p:cTn id="29" presetID="1" presetClass="entr" presetSubtype="0" fill="hold" nodeType="clickEffect">
+                                  <p:stCondLst>
+                                    <p:cond delay="0"/>
+                                  </p:stCondLst>
+                                  <p:childTnLst>
+                                    <p:set>
+                                      <p:cBhvr>
+                                        <p:cTn id="30" dur="1" fill="hold">
+                                          <p:stCondLst>
+                                            <p:cond delay="0"/>
+                                          </p:stCondLst>
+                                        </p:cTn>
+                                        <p:tgtEl>
+                                          <p:spTgt spid="33"/>
+                                        </p:tgtEl>
+                                        <p:attrNameLst>
+                                          <p:attrName>style.visibility</p:attrName>
+                                        </p:attrNameLst>
+                                      </p:cBhvr>
+                                      <p:to>
+                                        <p:strVal val="visible"/>
+                                      </p:to>
+                                    </p:set>
+                                  </p:childTnLst>
+                                </p:cTn>
+                              </p:par>
+                            </p:childTnLst>
+                          </p:cTn>
+                        </p:par>
+                      </p:childTnLst>
+                    </p:cTn>
+                  </p:par>
+                </p:childTnLst>
+              </p:cTn>
+              <p:prevCondLst>
+                <p:cond evt="onPrev" delay="0">
+                  <p:tgtEl>
+                    <p:sldTgt/>
+                  </p:tgtEl>
+                </p:cond>
+              </p:prevCondLst>
+              <p:nextCondLst>
+                <p:cond evt="onNext" delay="0">
+                  <p:tgtEl>
+                    <p:sldTgt/>
+                  </p:tgtEl>
+                </p:cond>
+              </p:nextCondLst>
+            </p:seq>
+          </p:childTnLst>
+        </p:cTn>
+      </p:par>
+    </p:tnLst>
+  </p:timing>
 </p:sld>
 </file>
 
-<file path=ppt/slides/slide11.xml><?xml version="1.0" encoding="utf-8"?>
+<file path=ppt/slides/slide12.xml><?xml version="1.0" encoding="utf-8"?>
 <p:sld xmlns:a="http://schemas.openxmlformats.org/drawingml/2006/main" xmlns:r="http://schemas.openxmlformats.org/officeDocument/2006/relationships" xmlns:p="http://schemas.openxmlformats.org/presentationml/2006/main">
   <p:cSld>
     <p:spTree>
@@ -9604,12 +11549,6 @@
             <a:pPr lvl="1"/>
             <a:endParaRPr lang="en-GB" dirty="0"/>
           </a:p>
-          <a:p>
-            <a:r>
-              <a:rPr lang="en-GB" dirty="0"/>
-              <a:t>History: used for personalised medicine application conversions</a:t>
-            </a:r>
-          </a:p>
         </p:txBody>
       </p:sp>
       <p:sp>
@@ -9635,7 +11574,7 @@
           <a:p>
             <a:fld id="{EC23855D-19AD-48A2-81F2-A97A89722104}" type="slidenum">
               <a:rPr lang="en-GB" smtClean="0"/>
-              <a:t>11</a:t>
+              <a:t>12</a:t>
             </a:fld>
             <a:endParaRPr lang="en-GB"/>
           </a:p>
@@ -9697,7 +11636,7 @@
 </p:sld>
 </file>
 
-<file path=ppt/slides/slide12.xml><?xml version="1.0" encoding="utf-8"?>
+<file path=ppt/slides/slide13.xml><?xml version="1.0" encoding="utf-8"?>
 <p:sld xmlns:a="http://schemas.openxmlformats.org/drawingml/2006/main" xmlns:r="http://schemas.openxmlformats.org/officeDocument/2006/relationships" xmlns:p="http://schemas.openxmlformats.org/presentationml/2006/main">
   <p:cSld>
     <p:spTree>
@@ -9803,7 +11742,7 @@
                   </a:schemeClr>
                 </a:solidFill>
               </a:rPr>
-              <a:t>12</a:t>
+              <a:t>13</a:t>
             </a:fld>
             <a:endParaRPr lang="en-GB" dirty="0">
               <a:solidFill>
@@ -9908,7 +11847,7 @@
 </p:sld>
 </file>
 
-<file path=ppt/slides/slide13.xml><?xml version="1.0" encoding="utf-8"?>
+<file path=ppt/slides/slide14.xml><?xml version="1.0" encoding="utf-8"?>
 <p:sld xmlns:a="http://schemas.openxmlformats.org/drawingml/2006/main" xmlns:r="http://schemas.openxmlformats.org/officeDocument/2006/relationships" xmlns:p="http://schemas.openxmlformats.org/presentationml/2006/main">
   <p:cSld>
     <p:spTree>
@@ -9993,7 +11932,7 @@
           <a:p>
             <a:fld id="{EC23855D-19AD-48A2-81F2-A97A89722104}" type="slidenum">
               <a:rPr lang="en-GB" smtClean="0"/>
-              <a:t>13</a:t>
+              <a:t>14</a:t>
             </a:fld>
             <a:endParaRPr lang="en-GB"/>
           </a:p>

--- a/plugins/vdm2isa/pub/isq-lib/International System of Quantities library in VDM.pptx
+++ b/plugins/vdm2isa/pub/isq-lib/International System of Quantities library in VDM.pptx
@@ -5443,7 +5443,7 @@
           <a:p>
             <a:fld id="{6E38A9DC-9E25-4685-838D-AB5A97295B66}" type="datetimeFigureOut">
               <a:rPr lang="en-GB" smtClean="0"/>
-              <a:t>07/03/2023</a:t>
+              <a:t>08/03/2023</a:t>
             </a:fld>
             <a:endParaRPr lang="en-GB"/>
           </a:p>
@@ -5860,7 +5860,7 @@
           <a:p>
             <a:fld id="{76BA3A6F-BBBE-436E-BB97-5B6DF122B556}" type="datetime1">
               <a:rPr lang="en-GB" smtClean="0"/>
-              <a:t>07/03/2023</a:t>
+              <a:t>08/03/2023</a:t>
             </a:fld>
             <a:endParaRPr lang="en-GB"/>
           </a:p>
@@ -6060,7 +6060,7 @@
           <a:p>
             <a:fld id="{106653B1-8131-4A6A-AB9C-1B28906E5FEE}" type="datetime1">
               <a:rPr lang="en-GB" smtClean="0"/>
-              <a:t>07/03/2023</a:t>
+              <a:t>08/03/2023</a:t>
             </a:fld>
             <a:endParaRPr lang="en-GB"/>
           </a:p>
@@ -6270,7 +6270,7 @@
           <a:p>
             <a:fld id="{47D19019-6859-4879-8AA6-4F38C4CE2845}" type="datetime1">
               <a:rPr lang="en-GB" smtClean="0"/>
-              <a:t>07/03/2023</a:t>
+              <a:t>08/03/2023</a:t>
             </a:fld>
             <a:endParaRPr lang="en-GB"/>
           </a:p>
@@ -6470,7 +6470,7 @@
           <a:p>
             <a:fld id="{3DE72EEC-4252-4E73-8225-170A8383FE1B}" type="datetime1">
               <a:rPr lang="en-GB" smtClean="0"/>
-              <a:t>07/03/2023</a:t>
+              <a:t>08/03/2023</a:t>
             </a:fld>
             <a:endParaRPr lang="en-GB"/>
           </a:p>
@@ -6746,7 +6746,7 @@
           <a:p>
             <a:fld id="{BCF9D066-5873-442E-81C1-798E97D368C4}" type="datetime1">
               <a:rPr lang="en-GB" smtClean="0"/>
-              <a:t>07/03/2023</a:t>
+              <a:t>08/03/2023</a:t>
             </a:fld>
             <a:endParaRPr lang="en-GB"/>
           </a:p>
@@ -7014,7 +7014,7 @@
           <a:p>
             <a:fld id="{259DAECF-0D0C-4D26-8816-3E375E6DDDE1}" type="datetime1">
               <a:rPr lang="en-GB" smtClean="0"/>
-              <a:t>07/03/2023</a:t>
+              <a:t>08/03/2023</a:t>
             </a:fld>
             <a:endParaRPr lang="en-GB"/>
           </a:p>
@@ -7429,7 +7429,7 @@
           <a:p>
             <a:fld id="{7ED82D9C-D78C-456A-B535-5A7B6456CBE0}" type="datetime1">
               <a:rPr lang="en-GB" smtClean="0"/>
-              <a:t>07/03/2023</a:t>
+              <a:t>08/03/2023</a:t>
             </a:fld>
             <a:endParaRPr lang="en-GB"/>
           </a:p>
@@ -7571,7 +7571,7 @@
           <a:p>
             <a:fld id="{01C34CFD-872B-4AF2-9E66-74021F29E875}" type="datetime1">
               <a:rPr lang="en-GB" smtClean="0"/>
-              <a:t>07/03/2023</a:t>
+              <a:t>08/03/2023</a:t>
             </a:fld>
             <a:endParaRPr lang="en-GB"/>
           </a:p>
@@ -7684,7 +7684,7 @@
           <a:p>
             <a:fld id="{6FFA839B-BDF8-4769-8D67-FA57AE014E53}" type="datetime1">
               <a:rPr lang="en-GB" smtClean="0"/>
-              <a:t>07/03/2023</a:t>
+              <a:t>08/03/2023</a:t>
             </a:fld>
             <a:endParaRPr lang="en-GB"/>
           </a:p>
@@ -7997,7 +7997,7 @@
           <a:p>
             <a:fld id="{3B2B6CA8-E50F-45F8-B86F-33C95EF8D81F}" type="datetime1">
               <a:rPr lang="en-GB" smtClean="0"/>
-              <a:t>07/03/2023</a:t>
+              <a:t>08/03/2023</a:t>
             </a:fld>
             <a:endParaRPr lang="en-GB"/>
           </a:p>
@@ -8286,7 +8286,7 @@
           <a:p>
             <a:fld id="{217FF8D2-F24E-40FD-A84F-A85975E72917}" type="datetime1">
               <a:rPr lang="en-GB" smtClean="0"/>
-              <a:t>07/03/2023</a:t>
+              <a:t>08/03/2023</a:t>
             </a:fld>
             <a:endParaRPr lang="en-GB"/>
           </a:p>
@@ -8529,7 +8529,7 @@
           <a:p>
             <a:fld id="{1A2DE837-6299-448E-95CE-52ABCF7B0F1E}" type="datetime1">
               <a:rPr lang="en-GB" smtClean="0"/>
-              <a:t>07/03/2023</a:t>
+              <a:t>08/03/2023</a:t>
             </a:fld>
             <a:endParaRPr lang="en-GB"/>
           </a:p>
@@ -9133,8 +9133,8 @@
         </p:nvSpPr>
         <p:spPr>
           <a:xfrm>
-            <a:off x="638921" y="4013165"/>
-            <a:ext cx="4204012" cy="2205732"/>
+            <a:off x="638921" y="5565123"/>
+            <a:ext cx="4204012" cy="653773"/>
           </a:xfrm>
         </p:spPr>
         <p:txBody>
@@ -9145,7 +9145,7 @@
           <a:p>
             <a:pPr algn="r"/>
             <a:r>
-              <a:rPr lang="en-US" sz="1800" kern="1200">
+              <a:rPr lang="en-US" sz="1800" kern="1200" dirty="0">
                 <a:solidFill>
                   <a:srgbClr val="FFFFFF"/>
                 </a:solidFill>
@@ -9354,7 +9354,7 @@
         </p:nvSpPr>
         <p:spPr>
           <a:xfrm>
-            <a:off x="1550708" y="4334490"/>
+            <a:off x="1568875" y="5806008"/>
             <a:ext cx="3381015" cy="307777"/>
           </a:xfrm>
           <a:prstGeom prst="rect">
@@ -9382,6 +9382,225 @@
                 </a:solidFill>
               </a:rPr>
               <a:t>School of Computing, Newcastle University</a:t>
+            </a:r>
+          </a:p>
+        </p:txBody>
+      </p:sp>
+      <p:sp>
+        <p:nvSpPr>
+          <p:cNvPr id="4" name="Subtitle 2">
+            <a:extLst>
+              <a:ext uri="{FF2B5EF4-FFF2-40B4-BE49-F238E27FC236}">
+                <a16:creationId xmlns:a16="http://schemas.microsoft.com/office/drawing/2014/main" id="{5A4A5C34-7B8C-0DF8-A9AD-2D9664656794}"/>
+              </a:ext>
+            </a:extLst>
+          </p:cNvPr>
+          <p:cNvSpPr txBox="1">
+            <a:spLocks/>
+          </p:cNvSpPr>
+          <p:nvPr/>
+        </p:nvSpPr>
+        <p:spPr>
+          <a:xfrm>
+            <a:off x="514587" y="4048069"/>
+            <a:ext cx="4204012" cy="653773"/>
+          </a:xfrm>
+          <a:prstGeom prst="rect">
+            <a:avLst/>
+          </a:prstGeom>
+        </p:spPr>
+        <p:txBody>
+          <a:bodyPr vert="horz" lIns="91440" tIns="45720" rIns="91440" bIns="45720" rtlCol="0" anchor="t">
+            <a:normAutofit/>
+          </a:bodyPr>
+          <a:lstStyle>
+            <a:lvl1pPr marL="0" indent="0" algn="ctr" defTabSz="914400" rtl="0" eaLnBrk="1" latinLnBrk="0" hangingPunct="1">
+              <a:lnSpc>
+                <a:spcPct val="90000"/>
+              </a:lnSpc>
+              <a:spcBef>
+                <a:spcPts val="1000"/>
+              </a:spcBef>
+              <a:buFont typeface="Arial" panose="020B0604020202020204" pitchFamily="34" charset="0"/>
+              <a:buNone/>
+              <a:defRPr sz="2400" kern="1200">
+                <a:solidFill>
+                  <a:schemeClr val="tx1">
+                    <a:lumMod val="75000"/>
+                    <a:lumOff val="25000"/>
+                  </a:schemeClr>
+                </a:solidFill>
+                <a:latin typeface="+mn-lt"/>
+                <a:ea typeface="+mn-ea"/>
+                <a:cs typeface="+mn-cs"/>
+              </a:defRPr>
+            </a:lvl1pPr>
+            <a:lvl2pPr marL="457200" indent="0" algn="ctr" defTabSz="914400" rtl="0" eaLnBrk="1" latinLnBrk="0" hangingPunct="1">
+              <a:lnSpc>
+                <a:spcPct val="90000"/>
+              </a:lnSpc>
+              <a:spcBef>
+                <a:spcPts val="500"/>
+              </a:spcBef>
+              <a:buFont typeface="Arial" panose="020B0604020202020204" pitchFamily="34" charset="0"/>
+              <a:buNone/>
+              <a:defRPr sz="2000" kern="1200">
+                <a:solidFill>
+                  <a:schemeClr val="tx1">
+                    <a:lumMod val="75000"/>
+                    <a:lumOff val="25000"/>
+                  </a:schemeClr>
+                </a:solidFill>
+                <a:latin typeface="+mn-lt"/>
+                <a:ea typeface="+mn-ea"/>
+                <a:cs typeface="+mn-cs"/>
+              </a:defRPr>
+            </a:lvl2pPr>
+            <a:lvl3pPr marL="914400" indent="0" algn="ctr" defTabSz="914400" rtl="0" eaLnBrk="1" latinLnBrk="0" hangingPunct="1">
+              <a:lnSpc>
+                <a:spcPct val="90000"/>
+              </a:lnSpc>
+              <a:spcBef>
+                <a:spcPts val="500"/>
+              </a:spcBef>
+              <a:buFont typeface="Arial" panose="020B0604020202020204" pitchFamily="34" charset="0"/>
+              <a:buNone/>
+              <a:defRPr sz="1800" kern="1200">
+                <a:solidFill>
+                  <a:schemeClr val="tx1">
+                    <a:lumMod val="75000"/>
+                    <a:lumOff val="25000"/>
+                  </a:schemeClr>
+                </a:solidFill>
+                <a:latin typeface="+mn-lt"/>
+                <a:ea typeface="+mn-ea"/>
+                <a:cs typeface="+mn-cs"/>
+              </a:defRPr>
+            </a:lvl3pPr>
+            <a:lvl4pPr marL="1371600" indent="0" algn="ctr" defTabSz="914400" rtl="0" eaLnBrk="1" latinLnBrk="0" hangingPunct="1">
+              <a:lnSpc>
+                <a:spcPct val="90000"/>
+              </a:lnSpc>
+              <a:spcBef>
+                <a:spcPts val="500"/>
+              </a:spcBef>
+              <a:buFont typeface="Arial" panose="020B0604020202020204" pitchFamily="34" charset="0"/>
+              <a:buNone/>
+              <a:defRPr sz="1600" kern="1200">
+                <a:solidFill>
+                  <a:schemeClr val="tx1">
+                    <a:lumMod val="75000"/>
+                    <a:lumOff val="25000"/>
+                  </a:schemeClr>
+                </a:solidFill>
+                <a:latin typeface="+mn-lt"/>
+                <a:ea typeface="+mn-ea"/>
+                <a:cs typeface="+mn-cs"/>
+              </a:defRPr>
+            </a:lvl4pPr>
+            <a:lvl5pPr marL="1828800" indent="0" algn="ctr" defTabSz="914400" rtl="0" eaLnBrk="1" latinLnBrk="0" hangingPunct="1">
+              <a:lnSpc>
+                <a:spcPct val="90000"/>
+              </a:lnSpc>
+              <a:spcBef>
+                <a:spcPts val="500"/>
+              </a:spcBef>
+              <a:buFont typeface="Arial" panose="020B0604020202020204" pitchFamily="34" charset="0"/>
+              <a:buNone/>
+              <a:defRPr sz="1600" kern="1200">
+                <a:solidFill>
+                  <a:schemeClr val="tx1">
+                    <a:lumMod val="75000"/>
+                    <a:lumOff val="25000"/>
+                  </a:schemeClr>
+                </a:solidFill>
+                <a:latin typeface="+mn-lt"/>
+                <a:ea typeface="+mn-ea"/>
+                <a:cs typeface="+mn-cs"/>
+              </a:defRPr>
+            </a:lvl5pPr>
+            <a:lvl6pPr marL="2286000" indent="0" algn="ctr" defTabSz="914400" rtl="0" eaLnBrk="1" latinLnBrk="0" hangingPunct="1">
+              <a:lnSpc>
+                <a:spcPct val="90000"/>
+              </a:lnSpc>
+              <a:spcBef>
+                <a:spcPts val="500"/>
+              </a:spcBef>
+              <a:buFont typeface="Arial" panose="020B0604020202020204" pitchFamily="34" charset="0"/>
+              <a:buNone/>
+              <a:defRPr sz="1600" kern="1200">
+                <a:solidFill>
+                  <a:schemeClr val="tx1"/>
+                </a:solidFill>
+                <a:latin typeface="+mn-lt"/>
+                <a:ea typeface="+mn-ea"/>
+                <a:cs typeface="+mn-cs"/>
+              </a:defRPr>
+            </a:lvl6pPr>
+            <a:lvl7pPr marL="2743200" indent="0" algn="ctr" defTabSz="914400" rtl="0" eaLnBrk="1" latinLnBrk="0" hangingPunct="1">
+              <a:lnSpc>
+                <a:spcPct val="90000"/>
+              </a:lnSpc>
+              <a:spcBef>
+                <a:spcPts val="500"/>
+              </a:spcBef>
+              <a:buFont typeface="Arial" panose="020B0604020202020204" pitchFamily="34" charset="0"/>
+              <a:buNone/>
+              <a:defRPr sz="1600" kern="1200">
+                <a:solidFill>
+                  <a:schemeClr val="tx1"/>
+                </a:solidFill>
+                <a:latin typeface="+mn-lt"/>
+                <a:ea typeface="+mn-ea"/>
+                <a:cs typeface="+mn-cs"/>
+              </a:defRPr>
+            </a:lvl7pPr>
+            <a:lvl8pPr marL="3200400" indent="0" algn="ctr" defTabSz="914400" rtl="0" eaLnBrk="1" latinLnBrk="0" hangingPunct="1">
+              <a:lnSpc>
+                <a:spcPct val="90000"/>
+              </a:lnSpc>
+              <a:spcBef>
+                <a:spcPts val="500"/>
+              </a:spcBef>
+              <a:buFont typeface="Arial" panose="020B0604020202020204" pitchFamily="34" charset="0"/>
+              <a:buNone/>
+              <a:defRPr sz="1600" kern="1200">
+                <a:solidFill>
+                  <a:schemeClr val="tx1"/>
+                </a:solidFill>
+                <a:latin typeface="+mn-lt"/>
+                <a:ea typeface="+mn-ea"/>
+                <a:cs typeface="+mn-cs"/>
+              </a:defRPr>
+            </a:lvl8pPr>
+            <a:lvl9pPr marL="3657600" indent="0" algn="ctr" defTabSz="914400" rtl="0" eaLnBrk="1" latinLnBrk="0" hangingPunct="1">
+              <a:lnSpc>
+                <a:spcPct val="90000"/>
+              </a:lnSpc>
+              <a:spcBef>
+                <a:spcPts val="500"/>
+              </a:spcBef>
+              <a:buFont typeface="Arial" panose="020B0604020202020204" pitchFamily="34" charset="0"/>
+              <a:buNone/>
+              <a:defRPr sz="1600" kern="1200">
+                <a:solidFill>
+                  <a:schemeClr val="tx1"/>
+                </a:solidFill>
+                <a:latin typeface="+mn-lt"/>
+                <a:ea typeface="+mn-ea"/>
+                <a:cs typeface="+mn-cs"/>
+              </a:defRPr>
+            </a:lvl9pPr>
+          </a:lstStyle>
+          <a:p>
+            <a:pPr algn="r"/>
+            <a:r>
+              <a:rPr lang="en-US" sz="1800" dirty="0">
+                <a:solidFill>
+                  <a:srgbClr val="FFFFFF"/>
+                </a:solidFill>
+              </a:rPr>
+              <a:t>Overture Workshop 2023 </a:t>
             </a:r>
           </a:p>
         </p:txBody>

--- a/plugins/vdm2isa/pub/isq-lib/International System of Quantities library in VDM.pptx
+++ b/plugins/vdm2isa/pub/isq-lib/International System of Quantities library in VDM.pptx
@@ -9411,7 +9411,7 @@
         </p:spPr>
         <p:txBody>
           <a:bodyPr vert="horz" lIns="91440" tIns="45720" rIns="91440" bIns="45720" rtlCol="0" anchor="t">
-            <a:normAutofit/>
+            <a:normAutofit fontScale="92500" lnSpcReduction="10000"/>
           </a:bodyPr>
           <a:lstStyle>
             <a:lvl1pPr marL="0" indent="0" algn="ctr" defTabSz="914400" rtl="0" eaLnBrk="1" latinLnBrk="0" hangingPunct="1">
@@ -9595,12 +9595,47 @@
           <a:p>
             <a:pPr algn="r"/>
             <a:r>
+              <a:rPr lang="en-US" sz="1800" b="1" dirty="0">
+                <a:solidFill>
+                  <a:srgbClr val="FFFFFF"/>
+                </a:solidFill>
+              </a:rPr>
+              <a:t>The 21st Overture Workshop</a:t>
+            </a:r>
+          </a:p>
+          <a:p>
+            <a:pPr algn="r"/>
+            <a:r>
               <a:rPr lang="en-US" sz="1800" dirty="0">
                 <a:solidFill>
                   <a:srgbClr val="FFFFFF"/>
                 </a:solidFill>
               </a:rPr>
-              <a:t>Overture Workshop 2023 </a:t>
+              <a:t>10</a:t>
+            </a:r>
+            <a:r>
+              <a:rPr lang="en-US" sz="1800" baseline="30000" dirty="0">
+                <a:solidFill>
+                  <a:srgbClr val="FFFFFF"/>
+                </a:solidFill>
+              </a:rPr>
+              <a:t>th</a:t>
+            </a:r>
+            <a:r>
+              <a:rPr lang="en-US" sz="1800" dirty="0">
+                <a:solidFill>
+                  <a:srgbClr val="FFFFFF"/>
+                </a:solidFill>
+              </a:rPr>
+              <a:t> March 2023</a:t>
+            </a:r>
+            <a:r>
+              <a:rPr lang="en-US" sz="1800" b="1" dirty="0">
+                <a:solidFill>
+                  <a:srgbClr val="FFFFFF"/>
+                </a:solidFill>
+              </a:rPr>
+              <a:t> </a:t>
             </a:r>
           </a:p>
         </p:txBody>
